--- a/Summers_2013/NPL/latticeAnalyser/testSequence.pptx
+++ b/Summers_2013/NPL/latticeAnalyser/testSequence.pptx
@@ -5,7 +5,15 @@
     <p:sldMasterId id="2147483648" r:id="rId1"/>
   </p:sldMasterIdLst>
   <p:sldIdLst>
-    <p:sldId id="256" r:id="rId2"/>
+    <p:sldId id="260" r:id="rId2"/>
+    <p:sldId id="261" r:id="rId3"/>
+    <p:sldId id="262" r:id="rId4"/>
+    <p:sldId id="257" r:id="rId5"/>
+    <p:sldId id="256" r:id="rId6"/>
+    <p:sldId id="263" r:id="rId7"/>
+    <p:sldId id="264" r:id="rId8"/>
+    <p:sldId id="258" r:id="rId9"/>
+    <p:sldId id="259" r:id="rId10"/>
   </p:sldIdLst>
   <p:sldSz cx="12192000" cy="6858000"/>
   <p:notesSz cx="6858000" cy="9144000"/>
@@ -104,6 +112,11 @@
       </a:defRPr>
     </a:lvl9pPr>
   </p:defaultTextStyle>
+  <p:extLst>
+    <p:ext uri="{EFAFB233-063F-42B5-8137-9DF3F51BA10A}">
+      <p15:sldGuideLst xmlns:p15="http://schemas.microsoft.com/office/powerpoint/2012/main"/>
+    </p:ext>
+  </p:extLst>
 </p:presentation>
 </file>
 
@@ -238,7 +251,7 @@
           <a:p>
             <a:fld id="{741ED65C-3736-420F-B23D-409D23B27BD7}" type="datetimeFigureOut">
               <a:rPr lang="en-GB" smtClean="0"/>
-              <a:t>17/05/2013</a:t>
+              <a:t>08/07/2013</a:t>
             </a:fld>
             <a:endParaRPr lang="en-GB"/>
           </a:p>
@@ -408,7 +421,7 @@
           <a:p>
             <a:fld id="{741ED65C-3736-420F-B23D-409D23B27BD7}" type="datetimeFigureOut">
               <a:rPr lang="en-GB" smtClean="0"/>
-              <a:t>17/05/2013</a:t>
+              <a:t>08/07/2013</a:t>
             </a:fld>
             <a:endParaRPr lang="en-GB"/>
           </a:p>
@@ -588,7 +601,7 @@
           <a:p>
             <a:fld id="{741ED65C-3736-420F-B23D-409D23B27BD7}" type="datetimeFigureOut">
               <a:rPr lang="en-GB" smtClean="0"/>
-              <a:t>17/05/2013</a:t>
+              <a:t>08/07/2013</a:t>
             </a:fld>
             <a:endParaRPr lang="en-GB"/>
           </a:p>
@@ -758,7 +771,7 @@
           <a:p>
             <a:fld id="{741ED65C-3736-420F-B23D-409D23B27BD7}" type="datetimeFigureOut">
               <a:rPr lang="en-GB" smtClean="0"/>
-              <a:t>17/05/2013</a:t>
+              <a:t>08/07/2013</a:t>
             </a:fld>
             <a:endParaRPr lang="en-GB"/>
           </a:p>
@@ -1004,7 +1017,7 @@
           <a:p>
             <a:fld id="{741ED65C-3736-420F-B23D-409D23B27BD7}" type="datetimeFigureOut">
               <a:rPr lang="en-GB" smtClean="0"/>
-              <a:t>17/05/2013</a:t>
+              <a:t>08/07/2013</a:t>
             </a:fld>
             <a:endParaRPr lang="en-GB"/>
           </a:p>
@@ -1236,7 +1249,7 @@
           <a:p>
             <a:fld id="{741ED65C-3736-420F-B23D-409D23B27BD7}" type="datetimeFigureOut">
               <a:rPr lang="en-GB" smtClean="0"/>
-              <a:t>17/05/2013</a:t>
+              <a:t>08/07/2013</a:t>
             </a:fld>
             <a:endParaRPr lang="en-GB"/>
           </a:p>
@@ -1603,7 +1616,7 @@
           <a:p>
             <a:fld id="{741ED65C-3736-420F-B23D-409D23B27BD7}" type="datetimeFigureOut">
               <a:rPr lang="en-GB" smtClean="0"/>
-              <a:t>17/05/2013</a:t>
+              <a:t>08/07/2013</a:t>
             </a:fld>
             <a:endParaRPr lang="en-GB"/>
           </a:p>
@@ -1721,7 +1734,7 @@
           <a:p>
             <a:fld id="{741ED65C-3736-420F-B23D-409D23B27BD7}" type="datetimeFigureOut">
               <a:rPr lang="en-GB" smtClean="0"/>
-              <a:t>17/05/2013</a:t>
+              <a:t>08/07/2013</a:t>
             </a:fld>
             <a:endParaRPr lang="en-GB"/>
           </a:p>
@@ -1816,7 +1829,7 @@
           <a:p>
             <a:fld id="{741ED65C-3736-420F-B23D-409D23B27BD7}" type="datetimeFigureOut">
               <a:rPr lang="en-GB" smtClean="0"/>
-              <a:t>17/05/2013</a:t>
+              <a:t>08/07/2013</a:t>
             </a:fld>
             <a:endParaRPr lang="en-GB"/>
           </a:p>
@@ -2093,7 +2106,7 @@
           <a:p>
             <a:fld id="{741ED65C-3736-420F-B23D-409D23B27BD7}" type="datetimeFigureOut">
               <a:rPr lang="en-GB" smtClean="0"/>
-              <a:t>17/05/2013</a:t>
+              <a:t>08/07/2013</a:t>
             </a:fld>
             <a:endParaRPr lang="en-GB"/>
           </a:p>
@@ -2346,7 +2359,7 @@
           <a:p>
             <a:fld id="{741ED65C-3736-420F-B23D-409D23B27BD7}" type="datetimeFigureOut">
               <a:rPr lang="en-GB" smtClean="0"/>
-              <a:t>17/05/2013</a:t>
+              <a:t>08/07/2013</a:t>
             </a:fld>
             <a:endParaRPr lang="en-GB"/>
           </a:p>
@@ -2559,7 +2572,7 @@
           <a:p>
             <a:fld id="{741ED65C-3736-420F-B23D-409D23B27BD7}" type="datetimeFigureOut">
               <a:rPr lang="en-GB" smtClean="0"/>
-              <a:t>17/05/2013</a:t>
+              <a:t>08/07/2013</a:t>
             </a:fld>
             <a:endParaRPr lang="en-GB"/>
           </a:p>
@@ -2948,6 +2961,2584 @@
 </file>
 
 <file path=ppt/slides/slide1.xml><?xml version="1.0" encoding="utf-8"?>
+<p:sld xmlns:a="http://schemas.openxmlformats.org/drawingml/2006/main" xmlns:r="http://schemas.openxmlformats.org/officeDocument/2006/relationships" xmlns:p="http://schemas.openxmlformats.org/presentationml/2006/main">
+  <p:cSld>
+    <p:bg>
+      <p:bgPr>
+        <a:solidFill>
+          <a:schemeClr val="tx1"/>
+        </a:solidFill>
+        <a:effectLst/>
+      </p:bgPr>
+    </p:bg>
+    <p:spTree>
+      <p:nvGrpSpPr>
+        <p:cNvPr id="1" name=""/>
+        <p:cNvGrpSpPr/>
+        <p:nvPr/>
+      </p:nvGrpSpPr>
+      <p:grpSpPr>
+        <a:xfrm>
+          <a:off x="0" y="0"/>
+          <a:ext cx="0" cy="0"/>
+          <a:chOff x="0" y="0"/>
+          <a:chExt cx="0" cy="0"/>
+        </a:xfrm>
+      </p:grpSpPr>
+      <p:grpSp>
+        <p:nvGrpSpPr>
+          <p:cNvPr id="2" name="Group 1"/>
+          <p:cNvGrpSpPr/>
+          <p:nvPr/>
+        </p:nvGrpSpPr>
+        <p:grpSpPr>
+          <a:xfrm rot="5400000">
+            <a:off x="3273269" y="523690"/>
+            <a:ext cx="5825232" cy="5704842"/>
+            <a:chOff x="3273269" y="523690"/>
+            <a:chExt cx="5825232" cy="5704842"/>
+          </a:xfrm>
+        </p:grpSpPr>
+        <p:pic>
+          <p:nvPicPr>
+            <p:cNvPr id="5" name="Picture 4"/>
+            <p:cNvPicPr>
+              <a:picLocks noChangeAspect="1"/>
+            </p:cNvPicPr>
+            <p:nvPr/>
+          </p:nvPicPr>
+          <p:blipFill>
+            <a:blip r:embed="rId2" cstate="print">
+              <a:extLst>
+                <a:ext uri="{28A0092B-C50C-407E-A947-70E740481C1C}">
+                  <a14:useLocalDpi xmlns:a14="http://schemas.microsoft.com/office/drawing/2010/main" val="0"/>
+                </a:ext>
+              </a:extLst>
+            </a:blip>
+            <a:stretch>
+              <a:fillRect/>
+            </a:stretch>
+          </p:blipFill>
+          <p:spPr>
+            <a:xfrm>
+              <a:off x="3273269" y="523690"/>
+              <a:ext cx="1234443" cy="1234443"/>
+            </a:xfrm>
+            <a:prstGeom prst="rect">
+              <a:avLst/>
+            </a:prstGeom>
+          </p:spPr>
+        </p:pic>
+        <p:pic>
+          <p:nvPicPr>
+            <p:cNvPr id="6" name="Picture 5"/>
+            <p:cNvPicPr>
+              <a:picLocks noChangeAspect="1"/>
+            </p:cNvPicPr>
+            <p:nvPr/>
+          </p:nvPicPr>
+          <p:blipFill>
+            <a:blip r:embed="rId2" cstate="print">
+              <a:extLst>
+                <a:ext uri="{28A0092B-C50C-407E-A947-70E740481C1C}">
+                  <a14:useLocalDpi xmlns:a14="http://schemas.microsoft.com/office/drawing/2010/main" val="0"/>
+                </a:ext>
+              </a:extLst>
+            </a:blip>
+            <a:stretch>
+              <a:fillRect/>
+            </a:stretch>
+          </p:blipFill>
+          <p:spPr>
+            <a:xfrm>
+              <a:off x="4803532" y="523690"/>
+              <a:ext cx="1234443" cy="1234443"/>
+            </a:xfrm>
+            <a:prstGeom prst="rect">
+              <a:avLst/>
+            </a:prstGeom>
+          </p:spPr>
+        </p:pic>
+        <p:pic>
+          <p:nvPicPr>
+            <p:cNvPr id="7" name="Picture 6"/>
+            <p:cNvPicPr>
+              <a:picLocks noChangeAspect="1"/>
+            </p:cNvPicPr>
+            <p:nvPr/>
+          </p:nvPicPr>
+          <p:blipFill>
+            <a:blip r:embed="rId2" cstate="print">
+              <a:extLst>
+                <a:ext uri="{28A0092B-C50C-407E-A947-70E740481C1C}">
+                  <a14:useLocalDpi xmlns:a14="http://schemas.microsoft.com/office/drawing/2010/main" val="0"/>
+                </a:ext>
+              </a:extLst>
+            </a:blip>
+            <a:stretch>
+              <a:fillRect/>
+            </a:stretch>
+          </p:blipFill>
+          <p:spPr>
+            <a:xfrm>
+              <a:off x="3273269" y="2013823"/>
+              <a:ext cx="1234443" cy="1234443"/>
+            </a:xfrm>
+            <a:prstGeom prst="rect">
+              <a:avLst/>
+            </a:prstGeom>
+          </p:spPr>
+        </p:pic>
+        <p:pic>
+          <p:nvPicPr>
+            <p:cNvPr id="8" name="Picture 7"/>
+            <p:cNvPicPr>
+              <a:picLocks noChangeAspect="1"/>
+            </p:cNvPicPr>
+            <p:nvPr/>
+          </p:nvPicPr>
+          <p:blipFill>
+            <a:blip r:embed="rId2" cstate="print">
+              <a:extLst>
+                <a:ext uri="{28A0092B-C50C-407E-A947-70E740481C1C}">
+                  <a14:useLocalDpi xmlns:a14="http://schemas.microsoft.com/office/drawing/2010/main" val="0"/>
+                </a:ext>
+              </a:extLst>
+            </a:blip>
+            <a:stretch>
+              <a:fillRect/>
+            </a:stretch>
+          </p:blipFill>
+          <p:spPr>
+            <a:xfrm>
+              <a:off x="4803532" y="2013823"/>
+              <a:ext cx="1234443" cy="1234443"/>
+            </a:xfrm>
+            <a:prstGeom prst="rect">
+              <a:avLst/>
+            </a:prstGeom>
+          </p:spPr>
+        </p:pic>
+        <p:pic>
+          <p:nvPicPr>
+            <p:cNvPr id="9" name="Picture 8"/>
+            <p:cNvPicPr>
+              <a:picLocks noChangeAspect="1"/>
+            </p:cNvPicPr>
+            <p:nvPr/>
+          </p:nvPicPr>
+          <p:blipFill>
+            <a:blip r:embed="rId2" cstate="print">
+              <a:extLst>
+                <a:ext uri="{28A0092B-C50C-407E-A947-70E740481C1C}">
+                  <a14:useLocalDpi xmlns:a14="http://schemas.microsoft.com/office/drawing/2010/main" val="0"/>
+                </a:ext>
+              </a:extLst>
+            </a:blip>
+            <a:stretch>
+              <a:fillRect/>
+            </a:stretch>
+          </p:blipFill>
+          <p:spPr>
+            <a:xfrm>
+              <a:off x="6333795" y="523690"/>
+              <a:ext cx="1234443" cy="1234443"/>
+            </a:xfrm>
+            <a:prstGeom prst="rect">
+              <a:avLst/>
+            </a:prstGeom>
+          </p:spPr>
+        </p:pic>
+        <p:pic>
+          <p:nvPicPr>
+            <p:cNvPr id="10" name="Picture 9"/>
+            <p:cNvPicPr>
+              <a:picLocks noChangeAspect="1"/>
+            </p:cNvPicPr>
+            <p:nvPr/>
+          </p:nvPicPr>
+          <p:blipFill>
+            <a:blip r:embed="rId2" cstate="print">
+              <a:extLst>
+                <a:ext uri="{28A0092B-C50C-407E-A947-70E740481C1C}">
+                  <a14:useLocalDpi xmlns:a14="http://schemas.microsoft.com/office/drawing/2010/main" val="0"/>
+                </a:ext>
+              </a:extLst>
+            </a:blip>
+            <a:stretch>
+              <a:fillRect/>
+            </a:stretch>
+          </p:blipFill>
+          <p:spPr>
+            <a:xfrm>
+              <a:off x="7864058" y="523690"/>
+              <a:ext cx="1234443" cy="1234443"/>
+            </a:xfrm>
+            <a:prstGeom prst="rect">
+              <a:avLst/>
+            </a:prstGeom>
+          </p:spPr>
+        </p:pic>
+        <p:pic>
+          <p:nvPicPr>
+            <p:cNvPr id="11" name="Picture 10"/>
+            <p:cNvPicPr>
+              <a:picLocks noChangeAspect="1"/>
+            </p:cNvPicPr>
+            <p:nvPr/>
+          </p:nvPicPr>
+          <p:blipFill>
+            <a:blip r:embed="rId2" cstate="print">
+              <a:extLst>
+                <a:ext uri="{28A0092B-C50C-407E-A947-70E740481C1C}">
+                  <a14:useLocalDpi xmlns:a14="http://schemas.microsoft.com/office/drawing/2010/main" val="0"/>
+                </a:ext>
+              </a:extLst>
+            </a:blip>
+            <a:stretch>
+              <a:fillRect/>
+            </a:stretch>
+          </p:blipFill>
+          <p:spPr>
+            <a:xfrm>
+              <a:off x="6333795" y="2013823"/>
+              <a:ext cx="1234443" cy="1234443"/>
+            </a:xfrm>
+            <a:prstGeom prst="rect">
+              <a:avLst/>
+            </a:prstGeom>
+          </p:spPr>
+        </p:pic>
+        <p:pic>
+          <p:nvPicPr>
+            <p:cNvPr id="12" name="Picture 11"/>
+            <p:cNvPicPr>
+              <a:picLocks noChangeAspect="1"/>
+            </p:cNvPicPr>
+            <p:nvPr/>
+          </p:nvPicPr>
+          <p:blipFill>
+            <a:blip r:embed="rId2" cstate="print">
+              <a:extLst>
+                <a:ext uri="{28A0092B-C50C-407E-A947-70E740481C1C}">
+                  <a14:useLocalDpi xmlns:a14="http://schemas.microsoft.com/office/drawing/2010/main" val="0"/>
+                </a:ext>
+              </a:extLst>
+            </a:blip>
+            <a:stretch>
+              <a:fillRect/>
+            </a:stretch>
+          </p:blipFill>
+          <p:spPr>
+            <a:xfrm>
+              <a:off x="7864058" y="2013823"/>
+              <a:ext cx="1234443" cy="1234443"/>
+            </a:xfrm>
+            <a:prstGeom prst="rect">
+              <a:avLst/>
+            </a:prstGeom>
+          </p:spPr>
+        </p:pic>
+        <p:pic>
+          <p:nvPicPr>
+            <p:cNvPr id="21" name="Picture 20"/>
+            <p:cNvPicPr>
+              <a:picLocks noChangeAspect="1"/>
+            </p:cNvPicPr>
+            <p:nvPr/>
+          </p:nvPicPr>
+          <p:blipFill>
+            <a:blip r:embed="rId2" cstate="print">
+              <a:extLst>
+                <a:ext uri="{28A0092B-C50C-407E-A947-70E740481C1C}">
+                  <a14:useLocalDpi xmlns:a14="http://schemas.microsoft.com/office/drawing/2010/main" val="0"/>
+                </a:ext>
+              </a:extLst>
+            </a:blip>
+            <a:stretch>
+              <a:fillRect/>
+            </a:stretch>
+          </p:blipFill>
+          <p:spPr>
+            <a:xfrm>
+              <a:off x="3273269" y="3503956"/>
+              <a:ext cx="1234443" cy="1234443"/>
+            </a:xfrm>
+            <a:prstGeom prst="rect">
+              <a:avLst/>
+            </a:prstGeom>
+          </p:spPr>
+        </p:pic>
+        <p:pic>
+          <p:nvPicPr>
+            <p:cNvPr id="22" name="Picture 21"/>
+            <p:cNvPicPr>
+              <a:picLocks noChangeAspect="1"/>
+            </p:cNvPicPr>
+            <p:nvPr/>
+          </p:nvPicPr>
+          <p:blipFill>
+            <a:blip r:embed="rId2" cstate="print">
+              <a:extLst>
+                <a:ext uri="{28A0092B-C50C-407E-A947-70E740481C1C}">
+                  <a14:useLocalDpi xmlns:a14="http://schemas.microsoft.com/office/drawing/2010/main" val="0"/>
+                </a:ext>
+              </a:extLst>
+            </a:blip>
+            <a:stretch>
+              <a:fillRect/>
+            </a:stretch>
+          </p:blipFill>
+          <p:spPr>
+            <a:xfrm>
+              <a:off x="4803532" y="3503956"/>
+              <a:ext cx="1234443" cy="1234443"/>
+            </a:xfrm>
+            <a:prstGeom prst="rect">
+              <a:avLst/>
+            </a:prstGeom>
+          </p:spPr>
+        </p:pic>
+        <p:pic>
+          <p:nvPicPr>
+            <p:cNvPr id="23" name="Picture 22"/>
+            <p:cNvPicPr>
+              <a:picLocks noChangeAspect="1"/>
+            </p:cNvPicPr>
+            <p:nvPr/>
+          </p:nvPicPr>
+          <p:blipFill>
+            <a:blip r:embed="rId2" cstate="print">
+              <a:extLst>
+                <a:ext uri="{28A0092B-C50C-407E-A947-70E740481C1C}">
+                  <a14:useLocalDpi xmlns:a14="http://schemas.microsoft.com/office/drawing/2010/main" val="0"/>
+                </a:ext>
+              </a:extLst>
+            </a:blip>
+            <a:stretch>
+              <a:fillRect/>
+            </a:stretch>
+          </p:blipFill>
+          <p:spPr>
+            <a:xfrm>
+              <a:off x="3273269" y="4994089"/>
+              <a:ext cx="1234443" cy="1234443"/>
+            </a:xfrm>
+            <a:prstGeom prst="rect">
+              <a:avLst/>
+            </a:prstGeom>
+          </p:spPr>
+        </p:pic>
+        <p:pic>
+          <p:nvPicPr>
+            <p:cNvPr id="24" name="Picture 23"/>
+            <p:cNvPicPr>
+              <a:picLocks noChangeAspect="1"/>
+            </p:cNvPicPr>
+            <p:nvPr/>
+          </p:nvPicPr>
+          <p:blipFill>
+            <a:blip r:embed="rId2" cstate="print">
+              <a:extLst>
+                <a:ext uri="{28A0092B-C50C-407E-A947-70E740481C1C}">
+                  <a14:useLocalDpi xmlns:a14="http://schemas.microsoft.com/office/drawing/2010/main" val="0"/>
+                </a:ext>
+              </a:extLst>
+            </a:blip>
+            <a:stretch>
+              <a:fillRect/>
+            </a:stretch>
+          </p:blipFill>
+          <p:spPr>
+            <a:xfrm>
+              <a:off x="4803532" y="4994089"/>
+              <a:ext cx="1234443" cy="1234443"/>
+            </a:xfrm>
+            <a:prstGeom prst="rect">
+              <a:avLst/>
+            </a:prstGeom>
+          </p:spPr>
+        </p:pic>
+        <p:pic>
+          <p:nvPicPr>
+            <p:cNvPr id="25" name="Picture 24"/>
+            <p:cNvPicPr>
+              <a:picLocks noChangeAspect="1"/>
+            </p:cNvPicPr>
+            <p:nvPr/>
+          </p:nvPicPr>
+          <p:blipFill>
+            <a:blip r:embed="rId2" cstate="print">
+              <a:extLst>
+                <a:ext uri="{28A0092B-C50C-407E-A947-70E740481C1C}">
+                  <a14:useLocalDpi xmlns:a14="http://schemas.microsoft.com/office/drawing/2010/main" val="0"/>
+                </a:ext>
+              </a:extLst>
+            </a:blip>
+            <a:stretch>
+              <a:fillRect/>
+            </a:stretch>
+          </p:blipFill>
+          <p:spPr>
+            <a:xfrm>
+              <a:off x="6333795" y="3503956"/>
+              <a:ext cx="1234443" cy="1234443"/>
+            </a:xfrm>
+            <a:prstGeom prst="rect">
+              <a:avLst/>
+            </a:prstGeom>
+          </p:spPr>
+        </p:pic>
+        <p:pic>
+          <p:nvPicPr>
+            <p:cNvPr id="26" name="Picture 25"/>
+            <p:cNvPicPr>
+              <a:picLocks noChangeAspect="1"/>
+            </p:cNvPicPr>
+            <p:nvPr/>
+          </p:nvPicPr>
+          <p:blipFill>
+            <a:blip r:embed="rId2" cstate="print">
+              <a:extLst>
+                <a:ext uri="{28A0092B-C50C-407E-A947-70E740481C1C}">
+                  <a14:useLocalDpi xmlns:a14="http://schemas.microsoft.com/office/drawing/2010/main" val="0"/>
+                </a:ext>
+              </a:extLst>
+            </a:blip>
+            <a:stretch>
+              <a:fillRect/>
+            </a:stretch>
+          </p:blipFill>
+          <p:spPr>
+            <a:xfrm>
+              <a:off x="7864058" y="3503956"/>
+              <a:ext cx="1234443" cy="1234443"/>
+            </a:xfrm>
+            <a:prstGeom prst="rect">
+              <a:avLst/>
+            </a:prstGeom>
+          </p:spPr>
+        </p:pic>
+        <p:pic>
+          <p:nvPicPr>
+            <p:cNvPr id="27" name="Picture 26"/>
+            <p:cNvPicPr>
+              <a:picLocks noChangeAspect="1"/>
+            </p:cNvPicPr>
+            <p:nvPr/>
+          </p:nvPicPr>
+          <p:blipFill>
+            <a:blip r:embed="rId2" cstate="print">
+              <a:extLst>
+                <a:ext uri="{28A0092B-C50C-407E-A947-70E740481C1C}">
+                  <a14:useLocalDpi xmlns:a14="http://schemas.microsoft.com/office/drawing/2010/main" val="0"/>
+                </a:ext>
+              </a:extLst>
+            </a:blip>
+            <a:stretch>
+              <a:fillRect/>
+            </a:stretch>
+          </p:blipFill>
+          <p:spPr>
+            <a:xfrm>
+              <a:off x="6333795" y="4994089"/>
+              <a:ext cx="1234443" cy="1234443"/>
+            </a:xfrm>
+            <a:prstGeom prst="rect">
+              <a:avLst/>
+            </a:prstGeom>
+          </p:spPr>
+        </p:pic>
+        <p:pic>
+          <p:nvPicPr>
+            <p:cNvPr id="28" name="Picture 27"/>
+            <p:cNvPicPr>
+              <a:picLocks noChangeAspect="1"/>
+            </p:cNvPicPr>
+            <p:nvPr/>
+          </p:nvPicPr>
+          <p:blipFill>
+            <a:blip r:embed="rId2" cstate="print">
+              <a:extLst>
+                <a:ext uri="{28A0092B-C50C-407E-A947-70E740481C1C}">
+                  <a14:useLocalDpi xmlns:a14="http://schemas.microsoft.com/office/drawing/2010/main" val="0"/>
+                </a:ext>
+              </a:extLst>
+            </a:blip>
+            <a:stretch>
+              <a:fillRect/>
+            </a:stretch>
+          </p:blipFill>
+          <p:spPr>
+            <a:xfrm>
+              <a:off x="7864058" y="4994089"/>
+              <a:ext cx="1234443" cy="1234443"/>
+            </a:xfrm>
+            <a:prstGeom prst="rect">
+              <a:avLst/>
+            </a:prstGeom>
+          </p:spPr>
+        </p:pic>
+      </p:grpSp>
+    </p:spTree>
+    <p:extLst>
+      <p:ext uri="{BB962C8B-B14F-4D97-AF65-F5344CB8AC3E}">
+        <p14:creationId xmlns:p14="http://schemas.microsoft.com/office/powerpoint/2010/main" val="1608442666"/>
+      </p:ext>
+    </p:extLst>
+  </p:cSld>
+  <p:clrMapOvr>
+    <a:masterClrMapping/>
+  </p:clrMapOvr>
+  <p:timing>
+    <p:tnLst>
+      <p:par>
+        <p:cTn id="1" dur="indefinite" restart="never" nodeType="tmRoot"/>
+      </p:par>
+    </p:tnLst>
+  </p:timing>
+</p:sld>
+</file>
+
+<file path=ppt/slides/slide2.xml><?xml version="1.0" encoding="utf-8"?>
+<p:sld xmlns:a="http://schemas.openxmlformats.org/drawingml/2006/main" xmlns:r="http://schemas.openxmlformats.org/officeDocument/2006/relationships" xmlns:p="http://schemas.openxmlformats.org/presentationml/2006/main">
+  <p:cSld>
+    <p:bg>
+      <p:bgPr>
+        <a:solidFill>
+          <a:schemeClr val="tx1"/>
+        </a:solidFill>
+        <a:effectLst/>
+      </p:bgPr>
+    </p:bg>
+    <p:spTree>
+      <p:nvGrpSpPr>
+        <p:cNvPr id="1" name=""/>
+        <p:cNvGrpSpPr/>
+        <p:nvPr/>
+      </p:nvGrpSpPr>
+      <p:grpSpPr>
+        <a:xfrm>
+          <a:off x="0" y="0"/>
+          <a:ext cx="0" cy="0"/>
+          <a:chOff x="0" y="0"/>
+          <a:chExt cx="0" cy="0"/>
+        </a:xfrm>
+      </p:grpSpPr>
+      <p:grpSp>
+        <p:nvGrpSpPr>
+          <p:cNvPr id="2" name="Group 1"/>
+          <p:cNvGrpSpPr/>
+          <p:nvPr/>
+        </p:nvGrpSpPr>
+        <p:grpSpPr>
+          <a:xfrm rot="10800000">
+            <a:off x="3273269" y="523690"/>
+            <a:ext cx="5825232" cy="5704842"/>
+            <a:chOff x="3273269" y="523690"/>
+            <a:chExt cx="5825232" cy="5704842"/>
+          </a:xfrm>
+        </p:grpSpPr>
+        <p:pic>
+          <p:nvPicPr>
+            <p:cNvPr id="5" name="Picture 4"/>
+            <p:cNvPicPr>
+              <a:picLocks noChangeAspect="1"/>
+            </p:cNvPicPr>
+            <p:nvPr/>
+          </p:nvPicPr>
+          <p:blipFill>
+            <a:blip r:embed="rId2" cstate="print">
+              <a:extLst>
+                <a:ext uri="{28A0092B-C50C-407E-A947-70E740481C1C}">
+                  <a14:useLocalDpi xmlns:a14="http://schemas.microsoft.com/office/drawing/2010/main" val="0"/>
+                </a:ext>
+              </a:extLst>
+            </a:blip>
+            <a:stretch>
+              <a:fillRect/>
+            </a:stretch>
+          </p:blipFill>
+          <p:spPr>
+            <a:xfrm>
+              <a:off x="3273269" y="523690"/>
+              <a:ext cx="1234443" cy="1234443"/>
+            </a:xfrm>
+            <a:prstGeom prst="rect">
+              <a:avLst/>
+            </a:prstGeom>
+          </p:spPr>
+        </p:pic>
+        <p:pic>
+          <p:nvPicPr>
+            <p:cNvPr id="6" name="Picture 5"/>
+            <p:cNvPicPr>
+              <a:picLocks noChangeAspect="1"/>
+            </p:cNvPicPr>
+            <p:nvPr/>
+          </p:nvPicPr>
+          <p:blipFill>
+            <a:blip r:embed="rId2" cstate="print">
+              <a:extLst>
+                <a:ext uri="{28A0092B-C50C-407E-A947-70E740481C1C}">
+                  <a14:useLocalDpi xmlns:a14="http://schemas.microsoft.com/office/drawing/2010/main" val="0"/>
+                </a:ext>
+              </a:extLst>
+            </a:blip>
+            <a:stretch>
+              <a:fillRect/>
+            </a:stretch>
+          </p:blipFill>
+          <p:spPr>
+            <a:xfrm>
+              <a:off x="4803532" y="523690"/>
+              <a:ext cx="1234443" cy="1234443"/>
+            </a:xfrm>
+            <a:prstGeom prst="rect">
+              <a:avLst/>
+            </a:prstGeom>
+          </p:spPr>
+        </p:pic>
+        <p:pic>
+          <p:nvPicPr>
+            <p:cNvPr id="7" name="Picture 6"/>
+            <p:cNvPicPr>
+              <a:picLocks noChangeAspect="1"/>
+            </p:cNvPicPr>
+            <p:nvPr/>
+          </p:nvPicPr>
+          <p:blipFill>
+            <a:blip r:embed="rId2" cstate="print">
+              <a:extLst>
+                <a:ext uri="{28A0092B-C50C-407E-A947-70E740481C1C}">
+                  <a14:useLocalDpi xmlns:a14="http://schemas.microsoft.com/office/drawing/2010/main" val="0"/>
+                </a:ext>
+              </a:extLst>
+            </a:blip>
+            <a:stretch>
+              <a:fillRect/>
+            </a:stretch>
+          </p:blipFill>
+          <p:spPr>
+            <a:xfrm>
+              <a:off x="3273269" y="2013823"/>
+              <a:ext cx="1234443" cy="1234443"/>
+            </a:xfrm>
+            <a:prstGeom prst="rect">
+              <a:avLst/>
+            </a:prstGeom>
+          </p:spPr>
+        </p:pic>
+        <p:pic>
+          <p:nvPicPr>
+            <p:cNvPr id="8" name="Picture 7"/>
+            <p:cNvPicPr>
+              <a:picLocks noChangeAspect="1"/>
+            </p:cNvPicPr>
+            <p:nvPr/>
+          </p:nvPicPr>
+          <p:blipFill>
+            <a:blip r:embed="rId2" cstate="print">
+              <a:extLst>
+                <a:ext uri="{28A0092B-C50C-407E-A947-70E740481C1C}">
+                  <a14:useLocalDpi xmlns:a14="http://schemas.microsoft.com/office/drawing/2010/main" val="0"/>
+                </a:ext>
+              </a:extLst>
+            </a:blip>
+            <a:stretch>
+              <a:fillRect/>
+            </a:stretch>
+          </p:blipFill>
+          <p:spPr>
+            <a:xfrm>
+              <a:off x="4803532" y="2013823"/>
+              <a:ext cx="1234443" cy="1234443"/>
+            </a:xfrm>
+            <a:prstGeom prst="rect">
+              <a:avLst/>
+            </a:prstGeom>
+          </p:spPr>
+        </p:pic>
+        <p:pic>
+          <p:nvPicPr>
+            <p:cNvPr id="9" name="Picture 8"/>
+            <p:cNvPicPr>
+              <a:picLocks noChangeAspect="1"/>
+            </p:cNvPicPr>
+            <p:nvPr/>
+          </p:nvPicPr>
+          <p:blipFill>
+            <a:blip r:embed="rId2" cstate="print">
+              <a:extLst>
+                <a:ext uri="{28A0092B-C50C-407E-A947-70E740481C1C}">
+                  <a14:useLocalDpi xmlns:a14="http://schemas.microsoft.com/office/drawing/2010/main" val="0"/>
+                </a:ext>
+              </a:extLst>
+            </a:blip>
+            <a:stretch>
+              <a:fillRect/>
+            </a:stretch>
+          </p:blipFill>
+          <p:spPr>
+            <a:xfrm>
+              <a:off x="6333795" y="523690"/>
+              <a:ext cx="1234443" cy="1234443"/>
+            </a:xfrm>
+            <a:prstGeom prst="rect">
+              <a:avLst/>
+            </a:prstGeom>
+          </p:spPr>
+        </p:pic>
+        <p:pic>
+          <p:nvPicPr>
+            <p:cNvPr id="10" name="Picture 9"/>
+            <p:cNvPicPr>
+              <a:picLocks noChangeAspect="1"/>
+            </p:cNvPicPr>
+            <p:nvPr/>
+          </p:nvPicPr>
+          <p:blipFill>
+            <a:blip r:embed="rId2" cstate="print">
+              <a:extLst>
+                <a:ext uri="{28A0092B-C50C-407E-A947-70E740481C1C}">
+                  <a14:useLocalDpi xmlns:a14="http://schemas.microsoft.com/office/drawing/2010/main" val="0"/>
+                </a:ext>
+              </a:extLst>
+            </a:blip>
+            <a:stretch>
+              <a:fillRect/>
+            </a:stretch>
+          </p:blipFill>
+          <p:spPr>
+            <a:xfrm>
+              <a:off x="7864058" y="523690"/>
+              <a:ext cx="1234443" cy="1234443"/>
+            </a:xfrm>
+            <a:prstGeom prst="rect">
+              <a:avLst/>
+            </a:prstGeom>
+          </p:spPr>
+        </p:pic>
+        <p:pic>
+          <p:nvPicPr>
+            <p:cNvPr id="11" name="Picture 10"/>
+            <p:cNvPicPr>
+              <a:picLocks noChangeAspect="1"/>
+            </p:cNvPicPr>
+            <p:nvPr/>
+          </p:nvPicPr>
+          <p:blipFill>
+            <a:blip r:embed="rId2" cstate="print">
+              <a:extLst>
+                <a:ext uri="{28A0092B-C50C-407E-A947-70E740481C1C}">
+                  <a14:useLocalDpi xmlns:a14="http://schemas.microsoft.com/office/drawing/2010/main" val="0"/>
+                </a:ext>
+              </a:extLst>
+            </a:blip>
+            <a:stretch>
+              <a:fillRect/>
+            </a:stretch>
+          </p:blipFill>
+          <p:spPr>
+            <a:xfrm>
+              <a:off x="6333795" y="2013823"/>
+              <a:ext cx="1234443" cy="1234443"/>
+            </a:xfrm>
+            <a:prstGeom prst="rect">
+              <a:avLst/>
+            </a:prstGeom>
+          </p:spPr>
+        </p:pic>
+        <p:pic>
+          <p:nvPicPr>
+            <p:cNvPr id="12" name="Picture 11"/>
+            <p:cNvPicPr>
+              <a:picLocks noChangeAspect="1"/>
+            </p:cNvPicPr>
+            <p:nvPr/>
+          </p:nvPicPr>
+          <p:blipFill>
+            <a:blip r:embed="rId2" cstate="print">
+              <a:extLst>
+                <a:ext uri="{28A0092B-C50C-407E-A947-70E740481C1C}">
+                  <a14:useLocalDpi xmlns:a14="http://schemas.microsoft.com/office/drawing/2010/main" val="0"/>
+                </a:ext>
+              </a:extLst>
+            </a:blip>
+            <a:stretch>
+              <a:fillRect/>
+            </a:stretch>
+          </p:blipFill>
+          <p:spPr>
+            <a:xfrm>
+              <a:off x="7864058" y="2013823"/>
+              <a:ext cx="1234443" cy="1234443"/>
+            </a:xfrm>
+            <a:prstGeom prst="rect">
+              <a:avLst/>
+            </a:prstGeom>
+          </p:spPr>
+        </p:pic>
+        <p:pic>
+          <p:nvPicPr>
+            <p:cNvPr id="21" name="Picture 20"/>
+            <p:cNvPicPr>
+              <a:picLocks noChangeAspect="1"/>
+            </p:cNvPicPr>
+            <p:nvPr/>
+          </p:nvPicPr>
+          <p:blipFill>
+            <a:blip r:embed="rId2" cstate="print">
+              <a:extLst>
+                <a:ext uri="{28A0092B-C50C-407E-A947-70E740481C1C}">
+                  <a14:useLocalDpi xmlns:a14="http://schemas.microsoft.com/office/drawing/2010/main" val="0"/>
+                </a:ext>
+              </a:extLst>
+            </a:blip>
+            <a:stretch>
+              <a:fillRect/>
+            </a:stretch>
+          </p:blipFill>
+          <p:spPr>
+            <a:xfrm>
+              <a:off x="3273269" y="3503956"/>
+              <a:ext cx="1234443" cy="1234443"/>
+            </a:xfrm>
+            <a:prstGeom prst="rect">
+              <a:avLst/>
+            </a:prstGeom>
+          </p:spPr>
+        </p:pic>
+        <p:pic>
+          <p:nvPicPr>
+            <p:cNvPr id="22" name="Picture 21"/>
+            <p:cNvPicPr>
+              <a:picLocks noChangeAspect="1"/>
+            </p:cNvPicPr>
+            <p:nvPr/>
+          </p:nvPicPr>
+          <p:blipFill>
+            <a:blip r:embed="rId2" cstate="print">
+              <a:extLst>
+                <a:ext uri="{28A0092B-C50C-407E-A947-70E740481C1C}">
+                  <a14:useLocalDpi xmlns:a14="http://schemas.microsoft.com/office/drawing/2010/main" val="0"/>
+                </a:ext>
+              </a:extLst>
+            </a:blip>
+            <a:stretch>
+              <a:fillRect/>
+            </a:stretch>
+          </p:blipFill>
+          <p:spPr>
+            <a:xfrm>
+              <a:off x="4803532" y="3503956"/>
+              <a:ext cx="1234443" cy="1234443"/>
+            </a:xfrm>
+            <a:prstGeom prst="rect">
+              <a:avLst/>
+            </a:prstGeom>
+          </p:spPr>
+        </p:pic>
+        <p:pic>
+          <p:nvPicPr>
+            <p:cNvPr id="23" name="Picture 22"/>
+            <p:cNvPicPr>
+              <a:picLocks noChangeAspect="1"/>
+            </p:cNvPicPr>
+            <p:nvPr/>
+          </p:nvPicPr>
+          <p:blipFill>
+            <a:blip r:embed="rId2" cstate="print">
+              <a:extLst>
+                <a:ext uri="{28A0092B-C50C-407E-A947-70E740481C1C}">
+                  <a14:useLocalDpi xmlns:a14="http://schemas.microsoft.com/office/drawing/2010/main" val="0"/>
+                </a:ext>
+              </a:extLst>
+            </a:blip>
+            <a:stretch>
+              <a:fillRect/>
+            </a:stretch>
+          </p:blipFill>
+          <p:spPr>
+            <a:xfrm>
+              <a:off x="3273269" y="4994089"/>
+              <a:ext cx="1234443" cy="1234443"/>
+            </a:xfrm>
+            <a:prstGeom prst="rect">
+              <a:avLst/>
+            </a:prstGeom>
+          </p:spPr>
+        </p:pic>
+        <p:pic>
+          <p:nvPicPr>
+            <p:cNvPr id="24" name="Picture 23"/>
+            <p:cNvPicPr>
+              <a:picLocks noChangeAspect="1"/>
+            </p:cNvPicPr>
+            <p:nvPr/>
+          </p:nvPicPr>
+          <p:blipFill>
+            <a:blip r:embed="rId2" cstate="print">
+              <a:extLst>
+                <a:ext uri="{28A0092B-C50C-407E-A947-70E740481C1C}">
+                  <a14:useLocalDpi xmlns:a14="http://schemas.microsoft.com/office/drawing/2010/main" val="0"/>
+                </a:ext>
+              </a:extLst>
+            </a:blip>
+            <a:stretch>
+              <a:fillRect/>
+            </a:stretch>
+          </p:blipFill>
+          <p:spPr>
+            <a:xfrm>
+              <a:off x="4803532" y="4994089"/>
+              <a:ext cx="1234443" cy="1234443"/>
+            </a:xfrm>
+            <a:prstGeom prst="rect">
+              <a:avLst/>
+            </a:prstGeom>
+          </p:spPr>
+        </p:pic>
+        <p:pic>
+          <p:nvPicPr>
+            <p:cNvPr id="25" name="Picture 24"/>
+            <p:cNvPicPr>
+              <a:picLocks noChangeAspect="1"/>
+            </p:cNvPicPr>
+            <p:nvPr/>
+          </p:nvPicPr>
+          <p:blipFill>
+            <a:blip r:embed="rId2" cstate="print">
+              <a:extLst>
+                <a:ext uri="{28A0092B-C50C-407E-A947-70E740481C1C}">
+                  <a14:useLocalDpi xmlns:a14="http://schemas.microsoft.com/office/drawing/2010/main" val="0"/>
+                </a:ext>
+              </a:extLst>
+            </a:blip>
+            <a:stretch>
+              <a:fillRect/>
+            </a:stretch>
+          </p:blipFill>
+          <p:spPr>
+            <a:xfrm>
+              <a:off x="6333795" y="3503956"/>
+              <a:ext cx="1234443" cy="1234443"/>
+            </a:xfrm>
+            <a:prstGeom prst="rect">
+              <a:avLst/>
+            </a:prstGeom>
+          </p:spPr>
+        </p:pic>
+        <p:pic>
+          <p:nvPicPr>
+            <p:cNvPr id="26" name="Picture 25"/>
+            <p:cNvPicPr>
+              <a:picLocks noChangeAspect="1"/>
+            </p:cNvPicPr>
+            <p:nvPr/>
+          </p:nvPicPr>
+          <p:blipFill>
+            <a:blip r:embed="rId2" cstate="print">
+              <a:extLst>
+                <a:ext uri="{28A0092B-C50C-407E-A947-70E740481C1C}">
+                  <a14:useLocalDpi xmlns:a14="http://schemas.microsoft.com/office/drawing/2010/main" val="0"/>
+                </a:ext>
+              </a:extLst>
+            </a:blip>
+            <a:stretch>
+              <a:fillRect/>
+            </a:stretch>
+          </p:blipFill>
+          <p:spPr>
+            <a:xfrm>
+              <a:off x="7864058" y="3503956"/>
+              <a:ext cx="1234443" cy="1234443"/>
+            </a:xfrm>
+            <a:prstGeom prst="rect">
+              <a:avLst/>
+            </a:prstGeom>
+          </p:spPr>
+        </p:pic>
+        <p:pic>
+          <p:nvPicPr>
+            <p:cNvPr id="27" name="Picture 26"/>
+            <p:cNvPicPr>
+              <a:picLocks noChangeAspect="1"/>
+            </p:cNvPicPr>
+            <p:nvPr/>
+          </p:nvPicPr>
+          <p:blipFill>
+            <a:blip r:embed="rId2" cstate="print">
+              <a:extLst>
+                <a:ext uri="{28A0092B-C50C-407E-A947-70E740481C1C}">
+                  <a14:useLocalDpi xmlns:a14="http://schemas.microsoft.com/office/drawing/2010/main" val="0"/>
+                </a:ext>
+              </a:extLst>
+            </a:blip>
+            <a:stretch>
+              <a:fillRect/>
+            </a:stretch>
+          </p:blipFill>
+          <p:spPr>
+            <a:xfrm>
+              <a:off x="6333795" y="4994089"/>
+              <a:ext cx="1234443" cy="1234443"/>
+            </a:xfrm>
+            <a:prstGeom prst="rect">
+              <a:avLst/>
+            </a:prstGeom>
+          </p:spPr>
+        </p:pic>
+        <p:pic>
+          <p:nvPicPr>
+            <p:cNvPr id="28" name="Picture 27"/>
+            <p:cNvPicPr>
+              <a:picLocks noChangeAspect="1"/>
+            </p:cNvPicPr>
+            <p:nvPr/>
+          </p:nvPicPr>
+          <p:blipFill>
+            <a:blip r:embed="rId2" cstate="print">
+              <a:extLst>
+                <a:ext uri="{28A0092B-C50C-407E-A947-70E740481C1C}">
+                  <a14:useLocalDpi xmlns:a14="http://schemas.microsoft.com/office/drawing/2010/main" val="0"/>
+                </a:ext>
+              </a:extLst>
+            </a:blip>
+            <a:stretch>
+              <a:fillRect/>
+            </a:stretch>
+          </p:blipFill>
+          <p:spPr>
+            <a:xfrm>
+              <a:off x="7864058" y="4994089"/>
+              <a:ext cx="1234443" cy="1234443"/>
+            </a:xfrm>
+            <a:prstGeom prst="rect">
+              <a:avLst/>
+            </a:prstGeom>
+          </p:spPr>
+        </p:pic>
+      </p:grpSp>
+    </p:spTree>
+    <p:extLst>
+      <p:ext uri="{BB962C8B-B14F-4D97-AF65-F5344CB8AC3E}">
+        <p14:creationId xmlns:p14="http://schemas.microsoft.com/office/powerpoint/2010/main" val="1480755102"/>
+      </p:ext>
+    </p:extLst>
+  </p:cSld>
+  <p:clrMapOvr>
+    <a:masterClrMapping/>
+  </p:clrMapOvr>
+  <p:timing>
+    <p:tnLst>
+      <p:par>
+        <p:cTn id="1" dur="indefinite" restart="never" nodeType="tmRoot"/>
+      </p:par>
+    </p:tnLst>
+  </p:timing>
+</p:sld>
+</file>
+
+<file path=ppt/slides/slide3.xml><?xml version="1.0" encoding="utf-8"?>
+<p:sld xmlns:a="http://schemas.openxmlformats.org/drawingml/2006/main" xmlns:r="http://schemas.openxmlformats.org/officeDocument/2006/relationships" xmlns:p="http://schemas.openxmlformats.org/presentationml/2006/main">
+  <p:cSld>
+    <p:bg>
+      <p:bgPr>
+        <a:solidFill>
+          <a:schemeClr val="tx1"/>
+        </a:solidFill>
+        <a:effectLst/>
+      </p:bgPr>
+    </p:bg>
+    <p:spTree>
+      <p:nvGrpSpPr>
+        <p:cNvPr id="1" name=""/>
+        <p:cNvGrpSpPr/>
+        <p:nvPr/>
+      </p:nvGrpSpPr>
+      <p:grpSpPr>
+        <a:xfrm>
+          <a:off x="0" y="0"/>
+          <a:ext cx="0" cy="0"/>
+          <a:chOff x="0" y="0"/>
+          <a:chExt cx="0" cy="0"/>
+        </a:xfrm>
+      </p:grpSpPr>
+      <p:grpSp>
+        <p:nvGrpSpPr>
+          <p:cNvPr id="2" name="Group 1"/>
+          <p:cNvGrpSpPr/>
+          <p:nvPr/>
+        </p:nvGrpSpPr>
+        <p:grpSpPr>
+          <a:xfrm rot="16200000">
+            <a:off x="3273269" y="523690"/>
+            <a:ext cx="5825232" cy="5704842"/>
+            <a:chOff x="3273269" y="523690"/>
+            <a:chExt cx="5825232" cy="5704842"/>
+          </a:xfrm>
+        </p:grpSpPr>
+        <p:pic>
+          <p:nvPicPr>
+            <p:cNvPr id="5" name="Picture 4"/>
+            <p:cNvPicPr>
+              <a:picLocks noChangeAspect="1"/>
+            </p:cNvPicPr>
+            <p:nvPr/>
+          </p:nvPicPr>
+          <p:blipFill>
+            <a:blip r:embed="rId2" cstate="print">
+              <a:extLst>
+                <a:ext uri="{28A0092B-C50C-407E-A947-70E740481C1C}">
+                  <a14:useLocalDpi xmlns:a14="http://schemas.microsoft.com/office/drawing/2010/main" val="0"/>
+                </a:ext>
+              </a:extLst>
+            </a:blip>
+            <a:stretch>
+              <a:fillRect/>
+            </a:stretch>
+          </p:blipFill>
+          <p:spPr>
+            <a:xfrm>
+              <a:off x="3273269" y="523690"/>
+              <a:ext cx="1234443" cy="1234443"/>
+            </a:xfrm>
+            <a:prstGeom prst="rect">
+              <a:avLst/>
+            </a:prstGeom>
+          </p:spPr>
+        </p:pic>
+        <p:pic>
+          <p:nvPicPr>
+            <p:cNvPr id="6" name="Picture 5"/>
+            <p:cNvPicPr>
+              <a:picLocks noChangeAspect="1"/>
+            </p:cNvPicPr>
+            <p:nvPr/>
+          </p:nvPicPr>
+          <p:blipFill>
+            <a:blip r:embed="rId2" cstate="print">
+              <a:extLst>
+                <a:ext uri="{28A0092B-C50C-407E-A947-70E740481C1C}">
+                  <a14:useLocalDpi xmlns:a14="http://schemas.microsoft.com/office/drawing/2010/main" val="0"/>
+                </a:ext>
+              </a:extLst>
+            </a:blip>
+            <a:stretch>
+              <a:fillRect/>
+            </a:stretch>
+          </p:blipFill>
+          <p:spPr>
+            <a:xfrm>
+              <a:off x="4803532" y="523690"/>
+              <a:ext cx="1234443" cy="1234443"/>
+            </a:xfrm>
+            <a:prstGeom prst="rect">
+              <a:avLst/>
+            </a:prstGeom>
+          </p:spPr>
+        </p:pic>
+        <p:pic>
+          <p:nvPicPr>
+            <p:cNvPr id="7" name="Picture 6"/>
+            <p:cNvPicPr>
+              <a:picLocks noChangeAspect="1"/>
+            </p:cNvPicPr>
+            <p:nvPr/>
+          </p:nvPicPr>
+          <p:blipFill>
+            <a:blip r:embed="rId2" cstate="print">
+              <a:extLst>
+                <a:ext uri="{28A0092B-C50C-407E-A947-70E740481C1C}">
+                  <a14:useLocalDpi xmlns:a14="http://schemas.microsoft.com/office/drawing/2010/main" val="0"/>
+                </a:ext>
+              </a:extLst>
+            </a:blip>
+            <a:stretch>
+              <a:fillRect/>
+            </a:stretch>
+          </p:blipFill>
+          <p:spPr>
+            <a:xfrm>
+              <a:off x="3273269" y="2013823"/>
+              <a:ext cx="1234443" cy="1234443"/>
+            </a:xfrm>
+            <a:prstGeom prst="rect">
+              <a:avLst/>
+            </a:prstGeom>
+          </p:spPr>
+        </p:pic>
+        <p:pic>
+          <p:nvPicPr>
+            <p:cNvPr id="8" name="Picture 7"/>
+            <p:cNvPicPr>
+              <a:picLocks noChangeAspect="1"/>
+            </p:cNvPicPr>
+            <p:nvPr/>
+          </p:nvPicPr>
+          <p:blipFill>
+            <a:blip r:embed="rId2" cstate="print">
+              <a:extLst>
+                <a:ext uri="{28A0092B-C50C-407E-A947-70E740481C1C}">
+                  <a14:useLocalDpi xmlns:a14="http://schemas.microsoft.com/office/drawing/2010/main" val="0"/>
+                </a:ext>
+              </a:extLst>
+            </a:blip>
+            <a:stretch>
+              <a:fillRect/>
+            </a:stretch>
+          </p:blipFill>
+          <p:spPr>
+            <a:xfrm>
+              <a:off x="4803532" y="2013823"/>
+              <a:ext cx="1234443" cy="1234443"/>
+            </a:xfrm>
+            <a:prstGeom prst="rect">
+              <a:avLst/>
+            </a:prstGeom>
+          </p:spPr>
+        </p:pic>
+        <p:pic>
+          <p:nvPicPr>
+            <p:cNvPr id="9" name="Picture 8"/>
+            <p:cNvPicPr>
+              <a:picLocks noChangeAspect="1"/>
+            </p:cNvPicPr>
+            <p:nvPr/>
+          </p:nvPicPr>
+          <p:blipFill>
+            <a:blip r:embed="rId2" cstate="print">
+              <a:extLst>
+                <a:ext uri="{28A0092B-C50C-407E-A947-70E740481C1C}">
+                  <a14:useLocalDpi xmlns:a14="http://schemas.microsoft.com/office/drawing/2010/main" val="0"/>
+                </a:ext>
+              </a:extLst>
+            </a:blip>
+            <a:stretch>
+              <a:fillRect/>
+            </a:stretch>
+          </p:blipFill>
+          <p:spPr>
+            <a:xfrm>
+              <a:off x="6333795" y="523690"/>
+              <a:ext cx="1234443" cy="1234443"/>
+            </a:xfrm>
+            <a:prstGeom prst="rect">
+              <a:avLst/>
+            </a:prstGeom>
+          </p:spPr>
+        </p:pic>
+        <p:pic>
+          <p:nvPicPr>
+            <p:cNvPr id="10" name="Picture 9"/>
+            <p:cNvPicPr>
+              <a:picLocks noChangeAspect="1"/>
+            </p:cNvPicPr>
+            <p:nvPr/>
+          </p:nvPicPr>
+          <p:blipFill>
+            <a:blip r:embed="rId2" cstate="print">
+              <a:extLst>
+                <a:ext uri="{28A0092B-C50C-407E-A947-70E740481C1C}">
+                  <a14:useLocalDpi xmlns:a14="http://schemas.microsoft.com/office/drawing/2010/main" val="0"/>
+                </a:ext>
+              </a:extLst>
+            </a:blip>
+            <a:stretch>
+              <a:fillRect/>
+            </a:stretch>
+          </p:blipFill>
+          <p:spPr>
+            <a:xfrm>
+              <a:off x="7864058" y="523690"/>
+              <a:ext cx="1234443" cy="1234443"/>
+            </a:xfrm>
+            <a:prstGeom prst="rect">
+              <a:avLst/>
+            </a:prstGeom>
+          </p:spPr>
+        </p:pic>
+        <p:pic>
+          <p:nvPicPr>
+            <p:cNvPr id="11" name="Picture 10"/>
+            <p:cNvPicPr>
+              <a:picLocks noChangeAspect="1"/>
+            </p:cNvPicPr>
+            <p:nvPr/>
+          </p:nvPicPr>
+          <p:blipFill>
+            <a:blip r:embed="rId2" cstate="print">
+              <a:extLst>
+                <a:ext uri="{28A0092B-C50C-407E-A947-70E740481C1C}">
+                  <a14:useLocalDpi xmlns:a14="http://schemas.microsoft.com/office/drawing/2010/main" val="0"/>
+                </a:ext>
+              </a:extLst>
+            </a:blip>
+            <a:stretch>
+              <a:fillRect/>
+            </a:stretch>
+          </p:blipFill>
+          <p:spPr>
+            <a:xfrm>
+              <a:off x="6333795" y="2013823"/>
+              <a:ext cx="1234443" cy="1234443"/>
+            </a:xfrm>
+            <a:prstGeom prst="rect">
+              <a:avLst/>
+            </a:prstGeom>
+          </p:spPr>
+        </p:pic>
+        <p:pic>
+          <p:nvPicPr>
+            <p:cNvPr id="12" name="Picture 11"/>
+            <p:cNvPicPr>
+              <a:picLocks noChangeAspect="1"/>
+            </p:cNvPicPr>
+            <p:nvPr/>
+          </p:nvPicPr>
+          <p:blipFill>
+            <a:blip r:embed="rId2" cstate="print">
+              <a:extLst>
+                <a:ext uri="{28A0092B-C50C-407E-A947-70E740481C1C}">
+                  <a14:useLocalDpi xmlns:a14="http://schemas.microsoft.com/office/drawing/2010/main" val="0"/>
+                </a:ext>
+              </a:extLst>
+            </a:blip>
+            <a:stretch>
+              <a:fillRect/>
+            </a:stretch>
+          </p:blipFill>
+          <p:spPr>
+            <a:xfrm>
+              <a:off x="7864058" y="2013823"/>
+              <a:ext cx="1234443" cy="1234443"/>
+            </a:xfrm>
+            <a:prstGeom prst="rect">
+              <a:avLst/>
+            </a:prstGeom>
+          </p:spPr>
+        </p:pic>
+        <p:pic>
+          <p:nvPicPr>
+            <p:cNvPr id="21" name="Picture 20"/>
+            <p:cNvPicPr>
+              <a:picLocks noChangeAspect="1"/>
+            </p:cNvPicPr>
+            <p:nvPr/>
+          </p:nvPicPr>
+          <p:blipFill>
+            <a:blip r:embed="rId2" cstate="print">
+              <a:extLst>
+                <a:ext uri="{28A0092B-C50C-407E-A947-70E740481C1C}">
+                  <a14:useLocalDpi xmlns:a14="http://schemas.microsoft.com/office/drawing/2010/main" val="0"/>
+                </a:ext>
+              </a:extLst>
+            </a:blip>
+            <a:stretch>
+              <a:fillRect/>
+            </a:stretch>
+          </p:blipFill>
+          <p:spPr>
+            <a:xfrm>
+              <a:off x="3273269" y="3503956"/>
+              <a:ext cx="1234443" cy="1234443"/>
+            </a:xfrm>
+            <a:prstGeom prst="rect">
+              <a:avLst/>
+            </a:prstGeom>
+          </p:spPr>
+        </p:pic>
+        <p:pic>
+          <p:nvPicPr>
+            <p:cNvPr id="22" name="Picture 21"/>
+            <p:cNvPicPr>
+              <a:picLocks noChangeAspect="1"/>
+            </p:cNvPicPr>
+            <p:nvPr/>
+          </p:nvPicPr>
+          <p:blipFill>
+            <a:blip r:embed="rId2" cstate="print">
+              <a:extLst>
+                <a:ext uri="{28A0092B-C50C-407E-A947-70E740481C1C}">
+                  <a14:useLocalDpi xmlns:a14="http://schemas.microsoft.com/office/drawing/2010/main" val="0"/>
+                </a:ext>
+              </a:extLst>
+            </a:blip>
+            <a:stretch>
+              <a:fillRect/>
+            </a:stretch>
+          </p:blipFill>
+          <p:spPr>
+            <a:xfrm>
+              <a:off x="4803532" y="3503956"/>
+              <a:ext cx="1234443" cy="1234443"/>
+            </a:xfrm>
+            <a:prstGeom prst="rect">
+              <a:avLst/>
+            </a:prstGeom>
+          </p:spPr>
+        </p:pic>
+        <p:pic>
+          <p:nvPicPr>
+            <p:cNvPr id="23" name="Picture 22"/>
+            <p:cNvPicPr>
+              <a:picLocks noChangeAspect="1"/>
+            </p:cNvPicPr>
+            <p:nvPr/>
+          </p:nvPicPr>
+          <p:blipFill>
+            <a:blip r:embed="rId2" cstate="print">
+              <a:extLst>
+                <a:ext uri="{28A0092B-C50C-407E-A947-70E740481C1C}">
+                  <a14:useLocalDpi xmlns:a14="http://schemas.microsoft.com/office/drawing/2010/main" val="0"/>
+                </a:ext>
+              </a:extLst>
+            </a:blip>
+            <a:stretch>
+              <a:fillRect/>
+            </a:stretch>
+          </p:blipFill>
+          <p:spPr>
+            <a:xfrm>
+              <a:off x="3273269" y="4994089"/>
+              <a:ext cx="1234443" cy="1234443"/>
+            </a:xfrm>
+            <a:prstGeom prst="rect">
+              <a:avLst/>
+            </a:prstGeom>
+          </p:spPr>
+        </p:pic>
+        <p:pic>
+          <p:nvPicPr>
+            <p:cNvPr id="24" name="Picture 23"/>
+            <p:cNvPicPr>
+              <a:picLocks noChangeAspect="1"/>
+            </p:cNvPicPr>
+            <p:nvPr/>
+          </p:nvPicPr>
+          <p:blipFill>
+            <a:blip r:embed="rId2" cstate="print">
+              <a:extLst>
+                <a:ext uri="{28A0092B-C50C-407E-A947-70E740481C1C}">
+                  <a14:useLocalDpi xmlns:a14="http://schemas.microsoft.com/office/drawing/2010/main" val="0"/>
+                </a:ext>
+              </a:extLst>
+            </a:blip>
+            <a:stretch>
+              <a:fillRect/>
+            </a:stretch>
+          </p:blipFill>
+          <p:spPr>
+            <a:xfrm>
+              <a:off x="4803532" y="4994089"/>
+              <a:ext cx="1234443" cy="1234443"/>
+            </a:xfrm>
+            <a:prstGeom prst="rect">
+              <a:avLst/>
+            </a:prstGeom>
+          </p:spPr>
+        </p:pic>
+        <p:pic>
+          <p:nvPicPr>
+            <p:cNvPr id="25" name="Picture 24"/>
+            <p:cNvPicPr>
+              <a:picLocks noChangeAspect="1"/>
+            </p:cNvPicPr>
+            <p:nvPr/>
+          </p:nvPicPr>
+          <p:blipFill>
+            <a:blip r:embed="rId2" cstate="print">
+              <a:extLst>
+                <a:ext uri="{28A0092B-C50C-407E-A947-70E740481C1C}">
+                  <a14:useLocalDpi xmlns:a14="http://schemas.microsoft.com/office/drawing/2010/main" val="0"/>
+                </a:ext>
+              </a:extLst>
+            </a:blip>
+            <a:stretch>
+              <a:fillRect/>
+            </a:stretch>
+          </p:blipFill>
+          <p:spPr>
+            <a:xfrm>
+              <a:off x="6333795" y="3503956"/>
+              <a:ext cx="1234443" cy="1234443"/>
+            </a:xfrm>
+            <a:prstGeom prst="rect">
+              <a:avLst/>
+            </a:prstGeom>
+          </p:spPr>
+        </p:pic>
+        <p:pic>
+          <p:nvPicPr>
+            <p:cNvPr id="26" name="Picture 25"/>
+            <p:cNvPicPr>
+              <a:picLocks noChangeAspect="1"/>
+            </p:cNvPicPr>
+            <p:nvPr/>
+          </p:nvPicPr>
+          <p:blipFill>
+            <a:blip r:embed="rId2" cstate="print">
+              <a:extLst>
+                <a:ext uri="{28A0092B-C50C-407E-A947-70E740481C1C}">
+                  <a14:useLocalDpi xmlns:a14="http://schemas.microsoft.com/office/drawing/2010/main" val="0"/>
+                </a:ext>
+              </a:extLst>
+            </a:blip>
+            <a:stretch>
+              <a:fillRect/>
+            </a:stretch>
+          </p:blipFill>
+          <p:spPr>
+            <a:xfrm>
+              <a:off x="7864058" y="3503956"/>
+              <a:ext cx="1234443" cy="1234443"/>
+            </a:xfrm>
+            <a:prstGeom prst="rect">
+              <a:avLst/>
+            </a:prstGeom>
+          </p:spPr>
+        </p:pic>
+        <p:pic>
+          <p:nvPicPr>
+            <p:cNvPr id="27" name="Picture 26"/>
+            <p:cNvPicPr>
+              <a:picLocks noChangeAspect="1"/>
+            </p:cNvPicPr>
+            <p:nvPr/>
+          </p:nvPicPr>
+          <p:blipFill>
+            <a:blip r:embed="rId2" cstate="print">
+              <a:extLst>
+                <a:ext uri="{28A0092B-C50C-407E-A947-70E740481C1C}">
+                  <a14:useLocalDpi xmlns:a14="http://schemas.microsoft.com/office/drawing/2010/main" val="0"/>
+                </a:ext>
+              </a:extLst>
+            </a:blip>
+            <a:stretch>
+              <a:fillRect/>
+            </a:stretch>
+          </p:blipFill>
+          <p:spPr>
+            <a:xfrm>
+              <a:off x="6333795" y="4994089"/>
+              <a:ext cx="1234443" cy="1234443"/>
+            </a:xfrm>
+            <a:prstGeom prst="rect">
+              <a:avLst/>
+            </a:prstGeom>
+          </p:spPr>
+        </p:pic>
+        <p:pic>
+          <p:nvPicPr>
+            <p:cNvPr id="28" name="Picture 27"/>
+            <p:cNvPicPr>
+              <a:picLocks noChangeAspect="1"/>
+            </p:cNvPicPr>
+            <p:nvPr/>
+          </p:nvPicPr>
+          <p:blipFill>
+            <a:blip r:embed="rId2" cstate="print">
+              <a:extLst>
+                <a:ext uri="{28A0092B-C50C-407E-A947-70E740481C1C}">
+                  <a14:useLocalDpi xmlns:a14="http://schemas.microsoft.com/office/drawing/2010/main" val="0"/>
+                </a:ext>
+              </a:extLst>
+            </a:blip>
+            <a:stretch>
+              <a:fillRect/>
+            </a:stretch>
+          </p:blipFill>
+          <p:spPr>
+            <a:xfrm>
+              <a:off x="7864058" y="4994089"/>
+              <a:ext cx="1234443" cy="1234443"/>
+            </a:xfrm>
+            <a:prstGeom prst="rect">
+              <a:avLst/>
+            </a:prstGeom>
+          </p:spPr>
+        </p:pic>
+      </p:grpSp>
+    </p:spTree>
+    <p:extLst>
+      <p:ext uri="{BB962C8B-B14F-4D97-AF65-F5344CB8AC3E}">
+        <p14:creationId xmlns:p14="http://schemas.microsoft.com/office/powerpoint/2010/main" val="1660169984"/>
+      </p:ext>
+    </p:extLst>
+  </p:cSld>
+  <p:clrMapOvr>
+    <a:masterClrMapping/>
+  </p:clrMapOvr>
+  <p:timing>
+    <p:tnLst>
+      <p:par>
+        <p:cTn id="1" dur="indefinite" restart="never" nodeType="tmRoot"/>
+      </p:par>
+    </p:tnLst>
+  </p:timing>
+</p:sld>
+</file>
+
+<file path=ppt/slides/slide4.xml><?xml version="1.0" encoding="utf-8"?>
+<p:sld xmlns:a="http://schemas.openxmlformats.org/drawingml/2006/main" xmlns:r="http://schemas.openxmlformats.org/officeDocument/2006/relationships" xmlns:p="http://schemas.openxmlformats.org/presentationml/2006/main">
+  <p:cSld>
+    <p:bg>
+      <p:bgPr>
+        <a:solidFill>
+          <a:schemeClr val="tx1"/>
+        </a:solidFill>
+        <a:effectLst/>
+      </p:bgPr>
+    </p:bg>
+    <p:spTree>
+      <p:nvGrpSpPr>
+        <p:cNvPr id="1" name=""/>
+        <p:cNvGrpSpPr/>
+        <p:nvPr/>
+      </p:nvGrpSpPr>
+      <p:grpSpPr>
+        <a:xfrm>
+          <a:off x="0" y="0"/>
+          <a:ext cx="0" cy="0"/>
+          <a:chOff x="0" y="0"/>
+          <a:chExt cx="0" cy="0"/>
+        </a:xfrm>
+      </p:grpSpPr>
+      <p:pic>
+        <p:nvPicPr>
+          <p:cNvPr id="5" name="Picture 4"/>
+          <p:cNvPicPr>
+            <a:picLocks noChangeAspect="1"/>
+          </p:cNvPicPr>
+          <p:nvPr/>
+        </p:nvPicPr>
+        <p:blipFill>
+          <a:blip r:embed="rId2" cstate="print">
+            <a:extLst>
+              <a:ext uri="{28A0092B-C50C-407E-A947-70E740481C1C}">
+                <a14:useLocalDpi xmlns:a14="http://schemas.microsoft.com/office/drawing/2010/main" val="0"/>
+              </a:ext>
+            </a:extLst>
+          </a:blip>
+          <a:stretch>
+            <a:fillRect/>
+          </a:stretch>
+        </p:blipFill>
+        <p:spPr>
+          <a:xfrm>
+            <a:off x="3273269" y="523690"/>
+            <a:ext cx="1234443" cy="1234443"/>
+          </a:xfrm>
+          <a:prstGeom prst="rect">
+            <a:avLst/>
+          </a:prstGeom>
+        </p:spPr>
+      </p:pic>
+      <p:pic>
+        <p:nvPicPr>
+          <p:cNvPr id="6" name="Picture 5"/>
+          <p:cNvPicPr>
+            <a:picLocks noChangeAspect="1"/>
+          </p:cNvPicPr>
+          <p:nvPr/>
+        </p:nvPicPr>
+        <p:blipFill>
+          <a:blip r:embed="rId2" cstate="print">
+            <a:extLst>
+              <a:ext uri="{28A0092B-C50C-407E-A947-70E740481C1C}">
+                <a14:useLocalDpi xmlns:a14="http://schemas.microsoft.com/office/drawing/2010/main" val="0"/>
+              </a:ext>
+            </a:extLst>
+          </a:blip>
+          <a:stretch>
+            <a:fillRect/>
+          </a:stretch>
+        </p:blipFill>
+        <p:spPr>
+          <a:xfrm>
+            <a:off x="4803532" y="523690"/>
+            <a:ext cx="1234443" cy="1234443"/>
+          </a:xfrm>
+          <a:prstGeom prst="rect">
+            <a:avLst/>
+          </a:prstGeom>
+        </p:spPr>
+      </p:pic>
+      <p:pic>
+        <p:nvPicPr>
+          <p:cNvPr id="7" name="Picture 6"/>
+          <p:cNvPicPr>
+            <a:picLocks noChangeAspect="1"/>
+          </p:cNvPicPr>
+          <p:nvPr/>
+        </p:nvPicPr>
+        <p:blipFill>
+          <a:blip r:embed="rId2" cstate="print">
+            <a:extLst>
+              <a:ext uri="{28A0092B-C50C-407E-A947-70E740481C1C}">
+                <a14:useLocalDpi xmlns:a14="http://schemas.microsoft.com/office/drawing/2010/main" val="0"/>
+              </a:ext>
+            </a:extLst>
+          </a:blip>
+          <a:stretch>
+            <a:fillRect/>
+          </a:stretch>
+        </p:blipFill>
+        <p:spPr>
+          <a:xfrm>
+            <a:off x="3273269" y="2013823"/>
+            <a:ext cx="1234443" cy="1234443"/>
+          </a:xfrm>
+          <a:prstGeom prst="rect">
+            <a:avLst/>
+          </a:prstGeom>
+        </p:spPr>
+      </p:pic>
+      <p:pic>
+        <p:nvPicPr>
+          <p:cNvPr id="8" name="Picture 7"/>
+          <p:cNvPicPr>
+            <a:picLocks noChangeAspect="1"/>
+          </p:cNvPicPr>
+          <p:nvPr/>
+        </p:nvPicPr>
+        <p:blipFill>
+          <a:blip r:embed="rId2" cstate="print">
+            <a:extLst>
+              <a:ext uri="{28A0092B-C50C-407E-A947-70E740481C1C}">
+                <a14:useLocalDpi xmlns:a14="http://schemas.microsoft.com/office/drawing/2010/main" val="0"/>
+              </a:ext>
+            </a:extLst>
+          </a:blip>
+          <a:stretch>
+            <a:fillRect/>
+          </a:stretch>
+        </p:blipFill>
+        <p:spPr>
+          <a:xfrm>
+            <a:off x="4803532" y="2013823"/>
+            <a:ext cx="1234443" cy="1234443"/>
+          </a:xfrm>
+          <a:prstGeom prst="rect">
+            <a:avLst/>
+          </a:prstGeom>
+        </p:spPr>
+      </p:pic>
+      <p:pic>
+        <p:nvPicPr>
+          <p:cNvPr id="9" name="Picture 8"/>
+          <p:cNvPicPr>
+            <a:picLocks noChangeAspect="1"/>
+          </p:cNvPicPr>
+          <p:nvPr/>
+        </p:nvPicPr>
+        <p:blipFill>
+          <a:blip r:embed="rId2" cstate="print">
+            <a:extLst>
+              <a:ext uri="{28A0092B-C50C-407E-A947-70E740481C1C}">
+                <a14:useLocalDpi xmlns:a14="http://schemas.microsoft.com/office/drawing/2010/main" val="0"/>
+              </a:ext>
+            </a:extLst>
+          </a:blip>
+          <a:stretch>
+            <a:fillRect/>
+          </a:stretch>
+        </p:blipFill>
+        <p:spPr>
+          <a:xfrm>
+            <a:off x="6333795" y="523690"/>
+            <a:ext cx="1234443" cy="1234443"/>
+          </a:xfrm>
+          <a:prstGeom prst="rect">
+            <a:avLst/>
+          </a:prstGeom>
+        </p:spPr>
+      </p:pic>
+      <p:pic>
+        <p:nvPicPr>
+          <p:cNvPr id="10" name="Picture 9"/>
+          <p:cNvPicPr>
+            <a:picLocks noChangeAspect="1"/>
+          </p:cNvPicPr>
+          <p:nvPr/>
+        </p:nvPicPr>
+        <p:blipFill>
+          <a:blip r:embed="rId2" cstate="print">
+            <a:extLst>
+              <a:ext uri="{28A0092B-C50C-407E-A947-70E740481C1C}">
+                <a14:useLocalDpi xmlns:a14="http://schemas.microsoft.com/office/drawing/2010/main" val="0"/>
+              </a:ext>
+            </a:extLst>
+          </a:blip>
+          <a:stretch>
+            <a:fillRect/>
+          </a:stretch>
+        </p:blipFill>
+        <p:spPr>
+          <a:xfrm>
+            <a:off x="7864058" y="523690"/>
+            <a:ext cx="1234443" cy="1234443"/>
+          </a:xfrm>
+          <a:prstGeom prst="rect">
+            <a:avLst/>
+          </a:prstGeom>
+        </p:spPr>
+      </p:pic>
+      <p:pic>
+        <p:nvPicPr>
+          <p:cNvPr id="11" name="Picture 10"/>
+          <p:cNvPicPr>
+            <a:picLocks noChangeAspect="1"/>
+          </p:cNvPicPr>
+          <p:nvPr/>
+        </p:nvPicPr>
+        <p:blipFill>
+          <a:blip r:embed="rId2" cstate="print">
+            <a:extLst>
+              <a:ext uri="{28A0092B-C50C-407E-A947-70E740481C1C}">
+                <a14:useLocalDpi xmlns:a14="http://schemas.microsoft.com/office/drawing/2010/main" val="0"/>
+              </a:ext>
+            </a:extLst>
+          </a:blip>
+          <a:stretch>
+            <a:fillRect/>
+          </a:stretch>
+        </p:blipFill>
+        <p:spPr>
+          <a:xfrm>
+            <a:off x="6333795" y="2013823"/>
+            <a:ext cx="1234443" cy="1234443"/>
+          </a:xfrm>
+          <a:prstGeom prst="rect">
+            <a:avLst/>
+          </a:prstGeom>
+        </p:spPr>
+      </p:pic>
+      <p:pic>
+        <p:nvPicPr>
+          <p:cNvPr id="12" name="Picture 11"/>
+          <p:cNvPicPr>
+            <a:picLocks noChangeAspect="1"/>
+          </p:cNvPicPr>
+          <p:nvPr/>
+        </p:nvPicPr>
+        <p:blipFill>
+          <a:blip r:embed="rId2" cstate="print">
+            <a:extLst>
+              <a:ext uri="{28A0092B-C50C-407E-A947-70E740481C1C}">
+                <a14:useLocalDpi xmlns:a14="http://schemas.microsoft.com/office/drawing/2010/main" val="0"/>
+              </a:ext>
+            </a:extLst>
+          </a:blip>
+          <a:stretch>
+            <a:fillRect/>
+          </a:stretch>
+        </p:blipFill>
+        <p:spPr>
+          <a:xfrm>
+            <a:off x="7864058" y="2013823"/>
+            <a:ext cx="1234443" cy="1234443"/>
+          </a:xfrm>
+          <a:prstGeom prst="rect">
+            <a:avLst/>
+          </a:prstGeom>
+        </p:spPr>
+      </p:pic>
+      <p:pic>
+        <p:nvPicPr>
+          <p:cNvPr id="21" name="Picture 20"/>
+          <p:cNvPicPr>
+            <a:picLocks noChangeAspect="1"/>
+          </p:cNvPicPr>
+          <p:nvPr/>
+        </p:nvPicPr>
+        <p:blipFill>
+          <a:blip r:embed="rId2" cstate="print">
+            <a:extLst>
+              <a:ext uri="{28A0092B-C50C-407E-A947-70E740481C1C}">
+                <a14:useLocalDpi xmlns:a14="http://schemas.microsoft.com/office/drawing/2010/main" val="0"/>
+              </a:ext>
+            </a:extLst>
+          </a:blip>
+          <a:stretch>
+            <a:fillRect/>
+          </a:stretch>
+        </p:blipFill>
+        <p:spPr>
+          <a:xfrm>
+            <a:off x="3273269" y="3503956"/>
+            <a:ext cx="1234443" cy="1234443"/>
+          </a:xfrm>
+          <a:prstGeom prst="rect">
+            <a:avLst/>
+          </a:prstGeom>
+        </p:spPr>
+      </p:pic>
+      <p:pic>
+        <p:nvPicPr>
+          <p:cNvPr id="22" name="Picture 21"/>
+          <p:cNvPicPr>
+            <a:picLocks noChangeAspect="1"/>
+          </p:cNvPicPr>
+          <p:nvPr/>
+        </p:nvPicPr>
+        <p:blipFill>
+          <a:blip r:embed="rId2" cstate="print">
+            <a:extLst>
+              <a:ext uri="{28A0092B-C50C-407E-A947-70E740481C1C}">
+                <a14:useLocalDpi xmlns:a14="http://schemas.microsoft.com/office/drawing/2010/main" val="0"/>
+              </a:ext>
+            </a:extLst>
+          </a:blip>
+          <a:stretch>
+            <a:fillRect/>
+          </a:stretch>
+        </p:blipFill>
+        <p:spPr>
+          <a:xfrm>
+            <a:off x="4803532" y="3503956"/>
+            <a:ext cx="1234443" cy="1234443"/>
+          </a:xfrm>
+          <a:prstGeom prst="rect">
+            <a:avLst/>
+          </a:prstGeom>
+        </p:spPr>
+      </p:pic>
+      <p:pic>
+        <p:nvPicPr>
+          <p:cNvPr id="23" name="Picture 22"/>
+          <p:cNvPicPr>
+            <a:picLocks noChangeAspect="1"/>
+          </p:cNvPicPr>
+          <p:nvPr/>
+        </p:nvPicPr>
+        <p:blipFill>
+          <a:blip r:embed="rId2" cstate="print">
+            <a:extLst>
+              <a:ext uri="{28A0092B-C50C-407E-A947-70E740481C1C}">
+                <a14:useLocalDpi xmlns:a14="http://schemas.microsoft.com/office/drawing/2010/main" val="0"/>
+              </a:ext>
+            </a:extLst>
+          </a:blip>
+          <a:stretch>
+            <a:fillRect/>
+          </a:stretch>
+        </p:blipFill>
+        <p:spPr>
+          <a:xfrm>
+            <a:off x="3273269" y="4994089"/>
+            <a:ext cx="1234443" cy="1234443"/>
+          </a:xfrm>
+          <a:prstGeom prst="rect">
+            <a:avLst/>
+          </a:prstGeom>
+        </p:spPr>
+      </p:pic>
+      <p:pic>
+        <p:nvPicPr>
+          <p:cNvPr id="24" name="Picture 23"/>
+          <p:cNvPicPr>
+            <a:picLocks noChangeAspect="1"/>
+          </p:cNvPicPr>
+          <p:nvPr/>
+        </p:nvPicPr>
+        <p:blipFill>
+          <a:blip r:embed="rId2" cstate="print">
+            <a:extLst>
+              <a:ext uri="{28A0092B-C50C-407E-A947-70E740481C1C}">
+                <a14:useLocalDpi xmlns:a14="http://schemas.microsoft.com/office/drawing/2010/main" val="0"/>
+              </a:ext>
+            </a:extLst>
+          </a:blip>
+          <a:stretch>
+            <a:fillRect/>
+          </a:stretch>
+        </p:blipFill>
+        <p:spPr>
+          <a:xfrm>
+            <a:off x="4803532" y="4994089"/>
+            <a:ext cx="1234443" cy="1234443"/>
+          </a:xfrm>
+          <a:prstGeom prst="rect">
+            <a:avLst/>
+          </a:prstGeom>
+        </p:spPr>
+      </p:pic>
+      <p:pic>
+        <p:nvPicPr>
+          <p:cNvPr id="25" name="Picture 24"/>
+          <p:cNvPicPr>
+            <a:picLocks noChangeAspect="1"/>
+          </p:cNvPicPr>
+          <p:nvPr/>
+        </p:nvPicPr>
+        <p:blipFill>
+          <a:blip r:embed="rId2" cstate="print">
+            <a:extLst>
+              <a:ext uri="{28A0092B-C50C-407E-A947-70E740481C1C}">
+                <a14:useLocalDpi xmlns:a14="http://schemas.microsoft.com/office/drawing/2010/main" val="0"/>
+              </a:ext>
+            </a:extLst>
+          </a:blip>
+          <a:stretch>
+            <a:fillRect/>
+          </a:stretch>
+        </p:blipFill>
+        <p:spPr>
+          <a:xfrm>
+            <a:off x="6333795" y="3503956"/>
+            <a:ext cx="1234443" cy="1234443"/>
+          </a:xfrm>
+          <a:prstGeom prst="rect">
+            <a:avLst/>
+          </a:prstGeom>
+        </p:spPr>
+      </p:pic>
+      <p:pic>
+        <p:nvPicPr>
+          <p:cNvPr id="26" name="Picture 25"/>
+          <p:cNvPicPr>
+            <a:picLocks noChangeAspect="1"/>
+          </p:cNvPicPr>
+          <p:nvPr/>
+        </p:nvPicPr>
+        <p:blipFill>
+          <a:blip r:embed="rId2" cstate="print">
+            <a:extLst>
+              <a:ext uri="{28A0092B-C50C-407E-A947-70E740481C1C}">
+                <a14:useLocalDpi xmlns:a14="http://schemas.microsoft.com/office/drawing/2010/main" val="0"/>
+              </a:ext>
+            </a:extLst>
+          </a:blip>
+          <a:stretch>
+            <a:fillRect/>
+          </a:stretch>
+        </p:blipFill>
+        <p:spPr>
+          <a:xfrm>
+            <a:off x="7864058" y="3503956"/>
+            <a:ext cx="1234443" cy="1234443"/>
+          </a:xfrm>
+          <a:prstGeom prst="rect">
+            <a:avLst/>
+          </a:prstGeom>
+        </p:spPr>
+      </p:pic>
+      <p:pic>
+        <p:nvPicPr>
+          <p:cNvPr id="27" name="Picture 26"/>
+          <p:cNvPicPr>
+            <a:picLocks noChangeAspect="1"/>
+          </p:cNvPicPr>
+          <p:nvPr/>
+        </p:nvPicPr>
+        <p:blipFill>
+          <a:blip r:embed="rId2" cstate="print">
+            <a:extLst>
+              <a:ext uri="{28A0092B-C50C-407E-A947-70E740481C1C}">
+                <a14:useLocalDpi xmlns:a14="http://schemas.microsoft.com/office/drawing/2010/main" val="0"/>
+              </a:ext>
+            </a:extLst>
+          </a:blip>
+          <a:stretch>
+            <a:fillRect/>
+          </a:stretch>
+        </p:blipFill>
+        <p:spPr>
+          <a:xfrm>
+            <a:off x="6333795" y="4994089"/>
+            <a:ext cx="1234443" cy="1234443"/>
+          </a:xfrm>
+          <a:prstGeom prst="rect">
+            <a:avLst/>
+          </a:prstGeom>
+        </p:spPr>
+      </p:pic>
+      <p:pic>
+        <p:nvPicPr>
+          <p:cNvPr id="28" name="Picture 27"/>
+          <p:cNvPicPr>
+            <a:picLocks noChangeAspect="1"/>
+          </p:cNvPicPr>
+          <p:nvPr/>
+        </p:nvPicPr>
+        <p:blipFill>
+          <a:blip r:embed="rId2" cstate="print">
+            <a:extLst>
+              <a:ext uri="{28A0092B-C50C-407E-A947-70E740481C1C}">
+                <a14:useLocalDpi xmlns:a14="http://schemas.microsoft.com/office/drawing/2010/main" val="0"/>
+              </a:ext>
+            </a:extLst>
+          </a:blip>
+          <a:stretch>
+            <a:fillRect/>
+          </a:stretch>
+        </p:blipFill>
+        <p:spPr>
+          <a:xfrm>
+            <a:off x="7864058" y="4994089"/>
+            <a:ext cx="1234443" cy="1234443"/>
+          </a:xfrm>
+          <a:prstGeom prst="rect">
+            <a:avLst/>
+          </a:prstGeom>
+        </p:spPr>
+      </p:pic>
+    </p:spTree>
+    <p:extLst>
+      <p:ext uri="{BB962C8B-B14F-4D97-AF65-F5344CB8AC3E}">
+        <p14:creationId xmlns:p14="http://schemas.microsoft.com/office/powerpoint/2010/main" val="1567561582"/>
+      </p:ext>
+    </p:extLst>
+  </p:cSld>
+  <p:clrMapOvr>
+    <a:masterClrMapping/>
+  </p:clrMapOvr>
+  <p:timing>
+    <p:tnLst>
+      <p:par>
+        <p:cTn id="1" dur="indefinite" restart="never" nodeType="tmRoot">
+          <p:childTnLst>
+            <p:seq concurrent="1" nextAc="seek">
+              <p:cTn id="2" dur="indefinite" nodeType="mainSeq">
+                <p:childTnLst>
+                  <p:par>
+                    <p:cTn id="3" fill="hold">
+                      <p:stCondLst>
+                        <p:cond delay="indefinite"/>
+                      </p:stCondLst>
+                      <p:childTnLst>
+                        <p:par>
+                          <p:cTn id="4" fill="hold">
+                            <p:stCondLst>
+                              <p:cond delay="0"/>
+                            </p:stCondLst>
+                            <p:childTnLst>
+                              <p:par>
+                                <p:cTn id="5" presetID="8" presetClass="emph" presetSubtype="0" repeatCount="indefinite" fill="hold" nodeType="clickEffect">
+                                  <p:stCondLst>
+                                    <p:cond delay="0"/>
+                                  </p:stCondLst>
+                                  <p:childTnLst>
+                                    <p:animRot by="21600000">
+                                      <p:cBhvr>
+                                        <p:cTn id="6" dur="2000" fill="hold"/>
+                                        <p:tgtEl>
+                                          <p:spTgt spid="6"/>
+                                        </p:tgtEl>
+                                        <p:attrNameLst>
+                                          <p:attrName>r</p:attrName>
+                                        </p:attrNameLst>
+                                      </p:cBhvr>
+                                    </p:animRot>
+                                  </p:childTnLst>
+                                </p:cTn>
+                              </p:par>
+                              <p:par>
+                                <p:cTn id="7" presetID="8" presetClass="emph" presetSubtype="0" repeatCount="indefinite" fill="hold" nodeType="withEffect">
+                                  <p:stCondLst>
+                                    <p:cond delay="0"/>
+                                  </p:stCondLst>
+                                  <p:childTnLst>
+                                    <p:animRot by="-21600000">
+                                      <p:cBhvr>
+                                        <p:cTn id="8" dur="2000" fill="hold"/>
+                                        <p:tgtEl>
+                                          <p:spTgt spid="5"/>
+                                        </p:tgtEl>
+                                        <p:attrNameLst>
+                                          <p:attrName>r</p:attrName>
+                                        </p:attrNameLst>
+                                      </p:cBhvr>
+                                    </p:animRot>
+                                  </p:childTnLst>
+                                </p:cTn>
+                              </p:par>
+                            </p:childTnLst>
+                          </p:cTn>
+                        </p:par>
+                      </p:childTnLst>
+                    </p:cTn>
+                  </p:par>
+                  <p:par>
+                    <p:cTn id="9" fill="hold">
+                      <p:stCondLst>
+                        <p:cond delay="indefinite"/>
+                      </p:stCondLst>
+                      <p:childTnLst>
+                        <p:par>
+                          <p:cTn id="10" fill="hold">
+                            <p:stCondLst>
+                              <p:cond delay="0"/>
+                            </p:stCondLst>
+                            <p:childTnLst>
+                              <p:par>
+                                <p:cTn id="11" presetID="8" presetClass="emph" presetSubtype="0" repeatCount="indefinite" fill="hold" nodeType="clickEffect">
+                                  <p:stCondLst>
+                                    <p:cond delay="0"/>
+                                  </p:stCondLst>
+                                  <p:childTnLst>
+                                    <p:animRot by="21600000">
+                                      <p:cBhvr>
+                                        <p:cTn id="12" dur="2000" fill="hold"/>
+                                        <p:tgtEl>
+                                          <p:spTgt spid="8"/>
+                                        </p:tgtEl>
+                                        <p:attrNameLst>
+                                          <p:attrName>r</p:attrName>
+                                        </p:attrNameLst>
+                                      </p:cBhvr>
+                                    </p:animRot>
+                                  </p:childTnLst>
+                                </p:cTn>
+                              </p:par>
+                            </p:childTnLst>
+                          </p:cTn>
+                        </p:par>
+                      </p:childTnLst>
+                    </p:cTn>
+                  </p:par>
+                  <p:par>
+                    <p:cTn id="13" fill="hold">
+                      <p:stCondLst>
+                        <p:cond delay="indefinite"/>
+                      </p:stCondLst>
+                      <p:childTnLst>
+                        <p:par>
+                          <p:cTn id="14" fill="hold">
+                            <p:stCondLst>
+                              <p:cond delay="0"/>
+                            </p:stCondLst>
+                            <p:childTnLst>
+                              <p:par>
+                                <p:cTn id="15" presetID="8" presetClass="emph" presetSubtype="0" repeatCount="indefinite" fill="hold" nodeType="clickEffect">
+                                  <p:stCondLst>
+                                    <p:cond delay="0"/>
+                                  </p:stCondLst>
+                                  <p:childTnLst>
+                                    <p:animRot by="-21600000">
+                                      <p:cBhvr>
+                                        <p:cTn id="16" dur="2000" fill="hold"/>
+                                        <p:tgtEl>
+                                          <p:spTgt spid="7"/>
+                                        </p:tgtEl>
+                                        <p:attrNameLst>
+                                          <p:attrName>r</p:attrName>
+                                        </p:attrNameLst>
+                                      </p:cBhvr>
+                                    </p:animRot>
+                                  </p:childTnLst>
+                                </p:cTn>
+                              </p:par>
+                              <p:par>
+                                <p:cTn id="17" presetID="8" presetClass="emph" presetSubtype="0" repeatCount="indefinite" fill="hold" nodeType="withEffect">
+                                  <p:stCondLst>
+                                    <p:cond delay="0"/>
+                                  </p:stCondLst>
+                                  <p:childTnLst>
+                                    <p:animRot by="21600000">
+                                      <p:cBhvr>
+                                        <p:cTn id="18" dur="2000" fill="hold"/>
+                                        <p:tgtEl>
+                                          <p:spTgt spid="10"/>
+                                        </p:tgtEl>
+                                        <p:attrNameLst>
+                                          <p:attrName>r</p:attrName>
+                                        </p:attrNameLst>
+                                      </p:cBhvr>
+                                    </p:animRot>
+                                  </p:childTnLst>
+                                </p:cTn>
+                              </p:par>
+                              <p:par>
+                                <p:cTn id="19" presetID="8" presetClass="emph" presetSubtype="0" repeatCount="indefinite" fill="hold" nodeType="withEffect">
+                                  <p:stCondLst>
+                                    <p:cond delay="0"/>
+                                  </p:stCondLst>
+                                  <p:childTnLst>
+                                    <p:animRot by="-21600000">
+                                      <p:cBhvr>
+                                        <p:cTn id="20" dur="2000" fill="hold"/>
+                                        <p:tgtEl>
+                                          <p:spTgt spid="9"/>
+                                        </p:tgtEl>
+                                        <p:attrNameLst>
+                                          <p:attrName>r</p:attrName>
+                                        </p:attrNameLst>
+                                      </p:cBhvr>
+                                    </p:animRot>
+                                  </p:childTnLst>
+                                </p:cTn>
+                              </p:par>
+                            </p:childTnLst>
+                          </p:cTn>
+                        </p:par>
+                      </p:childTnLst>
+                    </p:cTn>
+                  </p:par>
+                  <p:par>
+                    <p:cTn id="21" fill="hold">
+                      <p:stCondLst>
+                        <p:cond delay="indefinite"/>
+                      </p:stCondLst>
+                      <p:childTnLst>
+                        <p:par>
+                          <p:cTn id="22" fill="hold">
+                            <p:stCondLst>
+                              <p:cond delay="0"/>
+                            </p:stCondLst>
+                            <p:childTnLst>
+                              <p:par>
+                                <p:cTn id="23" presetID="8" presetClass="emph" presetSubtype="0" repeatCount="indefinite" fill="hold" nodeType="clickEffect">
+                                  <p:stCondLst>
+                                    <p:cond delay="0"/>
+                                  </p:stCondLst>
+                                  <p:childTnLst>
+                                    <p:animRot by="21600000">
+                                      <p:cBhvr>
+                                        <p:cTn id="24" dur="2000" fill="hold"/>
+                                        <p:tgtEl>
+                                          <p:spTgt spid="12"/>
+                                        </p:tgtEl>
+                                        <p:attrNameLst>
+                                          <p:attrName>r</p:attrName>
+                                        </p:attrNameLst>
+                                      </p:cBhvr>
+                                    </p:animRot>
+                                  </p:childTnLst>
+                                </p:cTn>
+                              </p:par>
+                            </p:childTnLst>
+                          </p:cTn>
+                        </p:par>
+                      </p:childTnLst>
+                    </p:cTn>
+                  </p:par>
+                  <p:par>
+                    <p:cTn id="25" fill="hold">
+                      <p:stCondLst>
+                        <p:cond delay="indefinite"/>
+                      </p:stCondLst>
+                      <p:childTnLst>
+                        <p:par>
+                          <p:cTn id="26" fill="hold">
+                            <p:stCondLst>
+                              <p:cond delay="0"/>
+                            </p:stCondLst>
+                            <p:childTnLst>
+                              <p:par>
+                                <p:cTn id="27" presetID="8" presetClass="emph" presetSubtype="0" repeatCount="indefinite" fill="hold" nodeType="clickEffect">
+                                  <p:stCondLst>
+                                    <p:cond delay="0"/>
+                                  </p:stCondLst>
+                                  <p:childTnLst>
+                                    <p:animRot by="-21600000">
+                                      <p:cBhvr>
+                                        <p:cTn id="28" dur="2000" fill="hold"/>
+                                        <p:tgtEl>
+                                          <p:spTgt spid="11"/>
+                                        </p:tgtEl>
+                                        <p:attrNameLst>
+                                          <p:attrName>r</p:attrName>
+                                        </p:attrNameLst>
+                                      </p:cBhvr>
+                                    </p:animRot>
+                                  </p:childTnLst>
+                                </p:cTn>
+                              </p:par>
+                              <p:par>
+                                <p:cTn id="29" presetID="8" presetClass="emph" presetSubtype="0" repeatCount="indefinite" fill="hold" nodeType="withEffect">
+                                  <p:stCondLst>
+                                    <p:cond delay="0"/>
+                                  </p:stCondLst>
+                                  <p:childTnLst>
+                                    <p:animRot by="21600000">
+                                      <p:cBhvr>
+                                        <p:cTn id="30" dur="2000" fill="hold"/>
+                                        <p:tgtEl>
+                                          <p:spTgt spid="22"/>
+                                        </p:tgtEl>
+                                        <p:attrNameLst>
+                                          <p:attrName>r</p:attrName>
+                                        </p:attrNameLst>
+                                      </p:cBhvr>
+                                    </p:animRot>
+                                  </p:childTnLst>
+                                </p:cTn>
+                              </p:par>
+                              <p:par>
+                                <p:cTn id="31" presetID="8" presetClass="emph" presetSubtype="0" repeatCount="indefinite" fill="hold" nodeType="withEffect">
+                                  <p:stCondLst>
+                                    <p:cond delay="0"/>
+                                  </p:stCondLst>
+                                  <p:childTnLst>
+                                    <p:animRot by="-21600000">
+                                      <p:cBhvr>
+                                        <p:cTn id="32" dur="2000" fill="hold"/>
+                                        <p:tgtEl>
+                                          <p:spTgt spid="21"/>
+                                        </p:tgtEl>
+                                        <p:attrNameLst>
+                                          <p:attrName>r</p:attrName>
+                                        </p:attrNameLst>
+                                      </p:cBhvr>
+                                    </p:animRot>
+                                  </p:childTnLst>
+                                </p:cTn>
+                              </p:par>
+                              <p:par>
+                                <p:cTn id="33" presetID="8" presetClass="emph" presetSubtype="0" repeatCount="indefinite" fill="hold" nodeType="withEffect">
+                                  <p:stCondLst>
+                                    <p:cond delay="0"/>
+                                  </p:stCondLst>
+                                  <p:childTnLst>
+                                    <p:animRot by="21600000">
+                                      <p:cBhvr>
+                                        <p:cTn id="34" dur="2000" fill="hold"/>
+                                        <p:tgtEl>
+                                          <p:spTgt spid="24"/>
+                                        </p:tgtEl>
+                                        <p:attrNameLst>
+                                          <p:attrName>r</p:attrName>
+                                        </p:attrNameLst>
+                                      </p:cBhvr>
+                                    </p:animRot>
+                                  </p:childTnLst>
+                                </p:cTn>
+                              </p:par>
+                              <p:par>
+                                <p:cTn id="35" presetID="8" presetClass="emph" presetSubtype="0" repeatCount="indefinite" fill="hold" nodeType="withEffect">
+                                  <p:stCondLst>
+                                    <p:cond delay="0"/>
+                                  </p:stCondLst>
+                                  <p:childTnLst>
+                                    <p:animRot by="-21600000">
+                                      <p:cBhvr>
+                                        <p:cTn id="36" dur="2000" fill="hold"/>
+                                        <p:tgtEl>
+                                          <p:spTgt spid="23"/>
+                                        </p:tgtEl>
+                                        <p:attrNameLst>
+                                          <p:attrName>r</p:attrName>
+                                        </p:attrNameLst>
+                                      </p:cBhvr>
+                                    </p:animRot>
+                                  </p:childTnLst>
+                                </p:cTn>
+                              </p:par>
+                              <p:par>
+                                <p:cTn id="37" presetID="8" presetClass="emph" presetSubtype="0" repeatCount="indefinite" fill="hold" nodeType="withEffect">
+                                  <p:stCondLst>
+                                    <p:cond delay="0"/>
+                                  </p:stCondLst>
+                                  <p:childTnLst>
+                                    <p:animRot by="21600000">
+                                      <p:cBhvr>
+                                        <p:cTn id="38" dur="2000" fill="hold"/>
+                                        <p:tgtEl>
+                                          <p:spTgt spid="26"/>
+                                        </p:tgtEl>
+                                        <p:attrNameLst>
+                                          <p:attrName>r</p:attrName>
+                                        </p:attrNameLst>
+                                      </p:cBhvr>
+                                    </p:animRot>
+                                  </p:childTnLst>
+                                </p:cTn>
+                              </p:par>
+                              <p:par>
+                                <p:cTn id="39" presetID="8" presetClass="emph" presetSubtype="0" repeatCount="indefinite" fill="hold" nodeType="withEffect">
+                                  <p:stCondLst>
+                                    <p:cond delay="0"/>
+                                  </p:stCondLst>
+                                  <p:childTnLst>
+                                    <p:animRot by="-21600000">
+                                      <p:cBhvr>
+                                        <p:cTn id="40" dur="2000" fill="hold"/>
+                                        <p:tgtEl>
+                                          <p:spTgt spid="25"/>
+                                        </p:tgtEl>
+                                        <p:attrNameLst>
+                                          <p:attrName>r</p:attrName>
+                                        </p:attrNameLst>
+                                      </p:cBhvr>
+                                    </p:animRot>
+                                  </p:childTnLst>
+                                </p:cTn>
+                              </p:par>
+                              <p:par>
+                                <p:cTn id="41" presetID="8" presetClass="emph" presetSubtype="0" repeatCount="indefinite" fill="hold" nodeType="withEffect">
+                                  <p:stCondLst>
+                                    <p:cond delay="0"/>
+                                  </p:stCondLst>
+                                  <p:childTnLst>
+                                    <p:animRot by="21600000">
+                                      <p:cBhvr>
+                                        <p:cTn id="42" dur="2000" fill="hold"/>
+                                        <p:tgtEl>
+                                          <p:spTgt spid="28"/>
+                                        </p:tgtEl>
+                                        <p:attrNameLst>
+                                          <p:attrName>r</p:attrName>
+                                        </p:attrNameLst>
+                                      </p:cBhvr>
+                                    </p:animRot>
+                                  </p:childTnLst>
+                                </p:cTn>
+                              </p:par>
+                              <p:par>
+                                <p:cTn id="43" presetID="8" presetClass="emph" presetSubtype="0" repeatCount="indefinite" fill="hold" nodeType="withEffect">
+                                  <p:stCondLst>
+                                    <p:cond delay="0"/>
+                                  </p:stCondLst>
+                                  <p:childTnLst>
+                                    <p:animRot by="-21600000">
+                                      <p:cBhvr>
+                                        <p:cTn id="44" dur="2000" fill="hold"/>
+                                        <p:tgtEl>
+                                          <p:spTgt spid="27"/>
+                                        </p:tgtEl>
+                                        <p:attrNameLst>
+                                          <p:attrName>r</p:attrName>
+                                        </p:attrNameLst>
+                                      </p:cBhvr>
+                                    </p:animRot>
+                                  </p:childTnLst>
+                                </p:cTn>
+                              </p:par>
+                            </p:childTnLst>
+                          </p:cTn>
+                        </p:par>
+                      </p:childTnLst>
+                    </p:cTn>
+                  </p:par>
+                </p:childTnLst>
+              </p:cTn>
+              <p:prevCondLst>
+                <p:cond evt="onPrev" delay="0">
+                  <p:tgtEl>
+                    <p:sldTgt/>
+                  </p:tgtEl>
+                </p:cond>
+              </p:prevCondLst>
+              <p:nextCondLst>
+                <p:cond evt="onNext" delay="0">
+                  <p:tgtEl>
+                    <p:sldTgt/>
+                  </p:tgtEl>
+                </p:cond>
+              </p:nextCondLst>
+            </p:seq>
+          </p:childTnLst>
+        </p:cTn>
+      </p:par>
+    </p:tnLst>
+  </p:timing>
+</p:sld>
+</file>
+
+<file path=ppt/slides/slide5.xml><?xml version="1.0" encoding="utf-8"?>
 <p:sld xmlns:a="http://schemas.openxmlformats.org/drawingml/2006/main" xmlns:r="http://schemas.openxmlformats.org/officeDocument/2006/relationships" xmlns:p="http://schemas.openxmlformats.org/presentationml/2006/main">
   <p:cSld>
     <p:bg>
@@ -3833,6 +6424,2574 @@
 </p:sld>
 </file>
 
+<file path=ppt/slides/slide6.xml><?xml version="1.0" encoding="utf-8"?>
+<p:sld xmlns:a="http://schemas.openxmlformats.org/drawingml/2006/main" xmlns:r="http://schemas.openxmlformats.org/officeDocument/2006/relationships" xmlns:p="http://schemas.openxmlformats.org/presentationml/2006/main">
+  <p:cSld>
+    <p:bg>
+      <p:bgPr>
+        <a:solidFill>
+          <a:schemeClr val="tx1"/>
+        </a:solidFill>
+        <a:effectLst/>
+      </p:bgPr>
+    </p:bg>
+    <p:spTree>
+      <p:nvGrpSpPr>
+        <p:cNvPr id="1" name=""/>
+        <p:cNvGrpSpPr/>
+        <p:nvPr/>
+      </p:nvGrpSpPr>
+      <p:grpSpPr>
+        <a:xfrm>
+          <a:off x="0" y="0"/>
+          <a:ext cx="0" cy="0"/>
+          <a:chOff x="0" y="0"/>
+          <a:chExt cx="0" cy="0"/>
+        </a:xfrm>
+      </p:grpSpPr>
+      <p:pic>
+        <p:nvPicPr>
+          <p:cNvPr id="5" name="Picture 4"/>
+          <p:cNvPicPr>
+            <a:picLocks noChangeAspect="1"/>
+          </p:cNvPicPr>
+          <p:nvPr/>
+        </p:nvPicPr>
+        <p:blipFill>
+          <a:blip r:embed="rId2" cstate="print">
+            <a:extLst>
+              <a:ext uri="{28A0092B-C50C-407E-A947-70E740481C1C}">
+                <a14:useLocalDpi xmlns:a14="http://schemas.microsoft.com/office/drawing/2010/main" val="0"/>
+              </a:ext>
+            </a:extLst>
+          </a:blip>
+          <a:stretch>
+            <a:fillRect/>
+          </a:stretch>
+        </p:blipFill>
+        <p:spPr>
+          <a:xfrm>
+            <a:off x="3273269" y="523690"/>
+            <a:ext cx="1234443" cy="1234443"/>
+          </a:xfrm>
+          <a:prstGeom prst="rect">
+            <a:avLst/>
+          </a:prstGeom>
+        </p:spPr>
+      </p:pic>
+      <p:pic>
+        <p:nvPicPr>
+          <p:cNvPr id="6" name="Picture 5"/>
+          <p:cNvPicPr>
+            <a:picLocks noChangeAspect="1"/>
+          </p:cNvPicPr>
+          <p:nvPr/>
+        </p:nvPicPr>
+        <p:blipFill>
+          <a:blip r:embed="rId2" cstate="print">
+            <a:extLst>
+              <a:ext uri="{28A0092B-C50C-407E-A947-70E740481C1C}">
+                <a14:useLocalDpi xmlns:a14="http://schemas.microsoft.com/office/drawing/2010/main" val="0"/>
+              </a:ext>
+            </a:extLst>
+          </a:blip>
+          <a:stretch>
+            <a:fillRect/>
+          </a:stretch>
+        </p:blipFill>
+        <p:spPr>
+          <a:xfrm>
+            <a:off x="4803532" y="523690"/>
+            <a:ext cx="1234443" cy="1234443"/>
+          </a:xfrm>
+          <a:prstGeom prst="rect">
+            <a:avLst/>
+          </a:prstGeom>
+        </p:spPr>
+      </p:pic>
+      <p:pic>
+        <p:nvPicPr>
+          <p:cNvPr id="7" name="Picture 6"/>
+          <p:cNvPicPr>
+            <a:picLocks noChangeAspect="1"/>
+          </p:cNvPicPr>
+          <p:nvPr/>
+        </p:nvPicPr>
+        <p:blipFill>
+          <a:blip r:embed="rId2" cstate="print">
+            <a:extLst>
+              <a:ext uri="{28A0092B-C50C-407E-A947-70E740481C1C}">
+                <a14:useLocalDpi xmlns:a14="http://schemas.microsoft.com/office/drawing/2010/main" val="0"/>
+              </a:ext>
+            </a:extLst>
+          </a:blip>
+          <a:stretch>
+            <a:fillRect/>
+          </a:stretch>
+        </p:blipFill>
+        <p:spPr>
+          <a:xfrm>
+            <a:off x="3273269" y="2013823"/>
+            <a:ext cx="1234443" cy="1234443"/>
+          </a:xfrm>
+          <a:prstGeom prst="rect">
+            <a:avLst/>
+          </a:prstGeom>
+        </p:spPr>
+      </p:pic>
+      <p:pic>
+        <p:nvPicPr>
+          <p:cNvPr id="8" name="Picture 7"/>
+          <p:cNvPicPr>
+            <a:picLocks noChangeAspect="1"/>
+          </p:cNvPicPr>
+          <p:nvPr/>
+        </p:nvPicPr>
+        <p:blipFill>
+          <a:blip r:embed="rId2" cstate="print">
+            <a:extLst>
+              <a:ext uri="{28A0092B-C50C-407E-A947-70E740481C1C}">
+                <a14:useLocalDpi xmlns:a14="http://schemas.microsoft.com/office/drawing/2010/main" val="0"/>
+              </a:ext>
+            </a:extLst>
+          </a:blip>
+          <a:stretch>
+            <a:fillRect/>
+          </a:stretch>
+        </p:blipFill>
+        <p:spPr>
+          <a:xfrm>
+            <a:off x="4803532" y="2013823"/>
+            <a:ext cx="1234443" cy="1234443"/>
+          </a:xfrm>
+          <a:prstGeom prst="rect">
+            <a:avLst/>
+          </a:prstGeom>
+        </p:spPr>
+      </p:pic>
+      <p:pic>
+        <p:nvPicPr>
+          <p:cNvPr id="9" name="Picture 8"/>
+          <p:cNvPicPr>
+            <a:picLocks noChangeAspect="1"/>
+          </p:cNvPicPr>
+          <p:nvPr/>
+        </p:nvPicPr>
+        <p:blipFill>
+          <a:blip r:embed="rId2" cstate="print">
+            <a:extLst>
+              <a:ext uri="{28A0092B-C50C-407E-A947-70E740481C1C}">
+                <a14:useLocalDpi xmlns:a14="http://schemas.microsoft.com/office/drawing/2010/main" val="0"/>
+              </a:ext>
+            </a:extLst>
+          </a:blip>
+          <a:stretch>
+            <a:fillRect/>
+          </a:stretch>
+        </p:blipFill>
+        <p:spPr>
+          <a:xfrm>
+            <a:off x="6333795" y="523690"/>
+            <a:ext cx="1234443" cy="1234443"/>
+          </a:xfrm>
+          <a:prstGeom prst="rect">
+            <a:avLst/>
+          </a:prstGeom>
+        </p:spPr>
+      </p:pic>
+      <p:pic>
+        <p:nvPicPr>
+          <p:cNvPr id="10" name="Picture 9"/>
+          <p:cNvPicPr>
+            <a:picLocks noChangeAspect="1"/>
+          </p:cNvPicPr>
+          <p:nvPr/>
+        </p:nvPicPr>
+        <p:blipFill>
+          <a:blip r:embed="rId2" cstate="print">
+            <a:extLst>
+              <a:ext uri="{28A0092B-C50C-407E-A947-70E740481C1C}">
+                <a14:useLocalDpi xmlns:a14="http://schemas.microsoft.com/office/drawing/2010/main" val="0"/>
+              </a:ext>
+            </a:extLst>
+          </a:blip>
+          <a:stretch>
+            <a:fillRect/>
+          </a:stretch>
+        </p:blipFill>
+        <p:spPr>
+          <a:xfrm>
+            <a:off x="7864058" y="523690"/>
+            <a:ext cx="1234443" cy="1234443"/>
+          </a:xfrm>
+          <a:prstGeom prst="rect">
+            <a:avLst/>
+          </a:prstGeom>
+        </p:spPr>
+      </p:pic>
+      <p:pic>
+        <p:nvPicPr>
+          <p:cNvPr id="11" name="Picture 10"/>
+          <p:cNvPicPr>
+            <a:picLocks noChangeAspect="1"/>
+          </p:cNvPicPr>
+          <p:nvPr/>
+        </p:nvPicPr>
+        <p:blipFill>
+          <a:blip r:embed="rId2" cstate="print">
+            <a:extLst>
+              <a:ext uri="{28A0092B-C50C-407E-A947-70E740481C1C}">
+                <a14:useLocalDpi xmlns:a14="http://schemas.microsoft.com/office/drawing/2010/main" val="0"/>
+              </a:ext>
+            </a:extLst>
+          </a:blip>
+          <a:stretch>
+            <a:fillRect/>
+          </a:stretch>
+        </p:blipFill>
+        <p:spPr>
+          <a:xfrm>
+            <a:off x="6333795" y="2013823"/>
+            <a:ext cx="1234443" cy="1234443"/>
+          </a:xfrm>
+          <a:prstGeom prst="rect">
+            <a:avLst/>
+          </a:prstGeom>
+        </p:spPr>
+      </p:pic>
+      <p:pic>
+        <p:nvPicPr>
+          <p:cNvPr id="12" name="Picture 11"/>
+          <p:cNvPicPr>
+            <a:picLocks noChangeAspect="1"/>
+          </p:cNvPicPr>
+          <p:nvPr/>
+        </p:nvPicPr>
+        <p:blipFill>
+          <a:blip r:embed="rId2" cstate="print">
+            <a:extLst>
+              <a:ext uri="{28A0092B-C50C-407E-A947-70E740481C1C}">
+                <a14:useLocalDpi xmlns:a14="http://schemas.microsoft.com/office/drawing/2010/main" val="0"/>
+              </a:ext>
+            </a:extLst>
+          </a:blip>
+          <a:stretch>
+            <a:fillRect/>
+          </a:stretch>
+        </p:blipFill>
+        <p:spPr>
+          <a:xfrm>
+            <a:off x="7864058" y="2013823"/>
+            <a:ext cx="1234443" cy="1234443"/>
+          </a:xfrm>
+          <a:prstGeom prst="rect">
+            <a:avLst/>
+          </a:prstGeom>
+        </p:spPr>
+      </p:pic>
+      <p:pic>
+        <p:nvPicPr>
+          <p:cNvPr id="21" name="Picture 20"/>
+          <p:cNvPicPr>
+            <a:picLocks noChangeAspect="1"/>
+          </p:cNvPicPr>
+          <p:nvPr/>
+        </p:nvPicPr>
+        <p:blipFill>
+          <a:blip r:embed="rId2" cstate="print">
+            <a:extLst>
+              <a:ext uri="{28A0092B-C50C-407E-A947-70E740481C1C}">
+                <a14:useLocalDpi xmlns:a14="http://schemas.microsoft.com/office/drawing/2010/main" val="0"/>
+              </a:ext>
+            </a:extLst>
+          </a:blip>
+          <a:stretch>
+            <a:fillRect/>
+          </a:stretch>
+        </p:blipFill>
+        <p:spPr>
+          <a:xfrm>
+            <a:off x="3273269" y="3503956"/>
+            <a:ext cx="1234443" cy="1234443"/>
+          </a:xfrm>
+          <a:prstGeom prst="rect">
+            <a:avLst/>
+          </a:prstGeom>
+        </p:spPr>
+      </p:pic>
+      <p:pic>
+        <p:nvPicPr>
+          <p:cNvPr id="22" name="Picture 21"/>
+          <p:cNvPicPr>
+            <a:picLocks noChangeAspect="1"/>
+          </p:cNvPicPr>
+          <p:nvPr/>
+        </p:nvPicPr>
+        <p:blipFill>
+          <a:blip r:embed="rId2" cstate="print">
+            <a:extLst>
+              <a:ext uri="{28A0092B-C50C-407E-A947-70E740481C1C}">
+                <a14:useLocalDpi xmlns:a14="http://schemas.microsoft.com/office/drawing/2010/main" val="0"/>
+              </a:ext>
+            </a:extLst>
+          </a:blip>
+          <a:stretch>
+            <a:fillRect/>
+          </a:stretch>
+        </p:blipFill>
+        <p:spPr>
+          <a:xfrm>
+            <a:off x="4803532" y="3503956"/>
+            <a:ext cx="1234443" cy="1234443"/>
+          </a:xfrm>
+          <a:prstGeom prst="rect">
+            <a:avLst/>
+          </a:prstGeom>
+        </p:spPr>
+      </p:pic>
+      <p:pic>
+        <p:nvPicPr>
+          <p:cNvPr id="23" name="Picture 22"/>
+          <p:cNvPicPr>
+            <a:picLocks noChangeAspect="1"/>
+          </p:cNvPicPr>
+          <p:nvPr/>
+        </p:nvPicPr>
+        <p:blipFill>
+          <a:blip r:embed="rId2" cstate="print">
+            <a:extLst>
+              <a:ext uri="{28A0092B-C50C-407E-A947-70E740481C1C}">
+                <a14:useLocalDpi xmlns:a14="http://schemas.microsoft.com/office/drawing/2010/main" val="0"/>
+              </a:ext>
+            </a:extLst>
+          </a:blip>
+          <a:stretch>
+            <a:fillRect/>
+          </a:stretch>
+        </p:blipFill>
+        <p:spPr>
+          <a:xfrm>
+            <a:off x="3273269" y="4994089"/>
+            <a:ext cx="1234443" cy="1234443"/>
+          </a:xfrm>
+          <a:prstGeom prst="rect">
+            <a:avLst/>
+          </a:prstGeom>
+        </p:spPr>
+      </p:pic>
+      <p:pic>
+        <p:nvPicPr>
+          <p:cNvPr id="24" name="Picture 23"/>
+          <p:cNvPicPr>
+            <a:picLocks noChangeAspect="1"/>
+          </p:cNvPicPr>
+          <p:nvPr/>
+        </p:nvPicPr>
+        <p:blipFill>
+          <a:blip r:embed="rId2" cstate="print">
+            <a:extLst>
+              <a:ext uri="{28A0092B-C50C-407E-A947-70E740481C1C}">
+                <a14:useLocalDpi xmlns:a14="http://schemas.microsoft.com/office/drawing/2010/main" val="0"/>
+              </a:ext>
+            </a:extLst>
+          </a:blip>
+          <a:stretch>
+            <a:fillRect/>
+          </a:stretch>
+        </p:blipFill>
+        <p:spPr>
+          <a:xfrm>
+            <a:off x="4803532" y="4994089"/>
+            <a:ext cx="1234443" cy="1234443"/>
+          </a:xfrm>
+          <a:prstGeom prst="rect">
+            <a:avLst/>
+          </a:prstGeom>
+        </p:spPr>
+      </p:pic>
+      <p:pic>
+        <p:nvPicPr>
+          <p:cNvPr id="25" name="Picture 24"/>
+          <p:cNvPicPr>
+            <a:picLocks noChangeAspect="1"/>
+          </p:cNvPicPr>
+          <p:nvPr/>
+        </p:nvPicPr>
+        <p:blipFill>
+          <a:blip r:embed="rId2" cstate="print">
+            <a:extLst>
+              <a:ext uri="{28A0092B-C50C-407E-A947-70E740481C1C}">
+                <a14:useLocalDpi xmlns:a14="http://schemas.microsoft.com/office/drawing/2010/main" val="0"/>
+              </a:ext>
+            </a:extLst>
+          </a:blip>
+          <a:stretch>
+            <a:fillRect/>
+          </a:stretch>
+        </p:blipFill>
+        <p:spPr>
+          <a:xfrm>
+            <a:off x="6333795" y="3503956"/>
+            <a:ext cx="1234443" cy="1234443"/>
+          </a:xfrm>
+          <a:prstGeom prst="rect">
+            <a:avLst/>
+          </a:prstGeom>
+        </p:spPr>
+      </p:pic>
+      <p:pic>
+        <p:nvPicPr>
+          <p:cNvPr id="26" name="Picture 25"/>
+          <p:cNvPicPr>
+            <a:picLocks noChangeAspect="1"/>
+          </p:cNvPicPr>
+          <p:nvPr/>
+        </p:nvPicPr>
+        <p:blipFill>
+          <a:blip r:embed="rId2" cstate="print">
+            <a:extLst>
+              <a:ext uri="{28A0092B-C50C-407E-A947-70E740481C1C}">
+                <a14:useLocalDpi xmlns:a14="http://schemas.microsoft.com/office/drawing/2010/main" val="0"/>
+              </a:ext>
+            </a:extLst>
+          </a:blip>
+          <a:stretch>
+            <a:fillRect/>
+          </a:stretch>
+        </p:blipFill>
+        <p:spPr>
+          <a:xfrm>
+            <a:off x="7864058" y="3503956"/>
+            <a:ext cx="1234443" cy="1234443"/>
+          </a:xfrm>
+          <a:prstGeom prst="rect">
+            <a:avLst/>
+          </a:prstGeom>
+        </p:spPr>
+      </p:pic>
+      <p:pic>
+        <p:nvPicPr>
+          <p:cNvPr id="27" name="Picture 26"/>
+          <p:cNvPicPr>
+            <a:picLocks noChangeAspect="1"/>
+          </p:cNvPicPr>
+          <p:nvPr/>
+        </p:nvPicPr>
+        <p:blipFill>
+          <a:blip r:embed="rId2" cstate="print">
+            <a:extLst>
+              <a:ext uri="{28A0092B-C50C-407E-A947-70E740481C1C}">
+                <a14:useLocalDpi xmlns:a14="http://schemas.microsoft.com/office/drawing/2010/main" val="0"/>
+              </a:ext>
+            </a:extLst>
+          </a:blip>
+          <a:stretch>
+            <a:fillRect/>
+          </a:stretch>
+        </p:blipFill>
+        <p:spPr>
+          <a:xfrm>
+            <a:off x="6333795" y="4994089"/>
+            <a:ext cx="1234443" cy="1234443"/>
+          </a:xfrm>
+          <a:prstGeom prst="rect">
+            <a:avLst/>
+          </a:prstGeom>
+        </p:spPr>
+      </p:pic>
+      <p:pic>
+        <p:nvPicPr>
+          <p:cNvPr id="28" name="Picture 27"/>
+          <p:cNvPicPr>
+            <a:picLocks noChangeAspect="1"/>
+          </p:cNvPicPr>
+          <p:nvPr/>
+        </p:nvPicPr>
+        <p:blipFill>
+          <a:blip r:embed="rId2" cstate="print">
+            <a:extLst>
+              <a:ext uri="{28A0092B-C50C-407E-A947-70E740481C1C}">
+                <a14:useLocalDpi xmlns:a14="http://schemas.microsoft.com/office/drawing/2010/main" val="0"/>
+              </a:ext>
+            </a:extLst>
+          </a:blip>
+          <a:stretch>
+            <a:fillRect/>
+          </a:stretch>
+        </p:blipFill>
+        <p:spPr>
+          <a:xfrm>
+            <a:off x="7864058" y="4994089"/>
+            <a:ext cx="1234443" cy="1234443"/>
+          </a:xfrm>
+          <a:prstGeom prst="rect">
+            <a:avLst/>
+          </a:prstGeom>
+        </p:spPr>
+      </p:pic>
+    </p:spTree>
+    <p:extLst>
+      <p:ext uri="{BB962C8B-B14F-4D97-AF65-F5344CB8AC3E}">
+        <p14:creationId xmlns:p14="http://schemas.microsoft.com/office/powerpoint/2010/main" val="94647974"/>
+      </p:ext>
+    </p:extLst>
+  </p:cSld>
+  <p:clrMapOvr>
+    <a:masterClrMapping/>
+  </p:clrMapOvr>
+  <p:timing>
+    <p:tnLst>
+      <p:par>
+        <p:cTn id="1" dur="indefinite" restart="never" nodeType="tmRoot">
+          <p:childTnLst>
+            <p:seq concurrent="1" nextAc="seek">
+              <p:cTn id="2" dur="indefinite" nodeType="mainSeq">
+                <p:childTnLst>
+                  <p:par>
+                    <p:cTn id="3" fill="hold">
+                      <p:stCondLst>
+                        <p:cond delay="indefinite"/>
+                      </p:stCondLst>
+                      <p:childTnLst>
+                        <p:par>
+                          <p:cTn id="4" fill="hold">
+                            <p:stCondLst>
+                              <p:cond delay="0"/>
+                            </p:stCondLst>
+                            <p:childTnLst>
+                              <p:par>
+                                <p:cTn id="5" presetID="8" presetClass="emph" presetSubtype="0" repeatCount="indefinite" fill="hold" nodeType="clickEffect">
+                                  <p:stCondLst>
+                                    <p:cond delay="0"/>
+                                  </p:stCondLst>
+                                  <p:endCondLst>
+                                    <p:cond evt="onNext" delay="0">
+                                      <p:tgtEl>
+                                        <p:sldTgt/>
+                                      </p:tgtEl>
+                                    </p:cond>
+                                  </p:endCondLst>
+                                  <p:childTnLst>
+                                    <p:animRot by="21600000">
+                                      <p:cBhvr>
+                                        <p:cTn id="6" dur="2000" fill="hold"/>
+                                        <p:tgtEl>
+                                          <p:spTgt spid="5"/>
+                                        </p:tgtEl>
+                                        <p:attrNameLst>
+                                          <p:attrName>r</p:attrName>
+                                        </p:attrNameLst>
+                                      </p:cBhvr>
+                                    </p:animRot>
+                                  </p:childTnLst>
+                                </p:cTn>
+                              </p:par>
+                              <p:par>
+                                <p:cTn id="7" presetID="8" presetClass="emph" presetSubtype="0" repeatCount="indefinite" fill="hold" nodeType="withEffect">
+                                  <p:stCondLst>
+                                    <p:cond delay="0"/>
+                                  </p:stCondLst>
+                                  <p:endCondLst>
+                                    <p:cond evt="onNext" delay="0">
+                                      <p:tgtEl>
+                                        <p:sldTgt/>
+                                      </p:tgtEl>
+                                    </p:cond>
+                                  </p:endCondLst>
+                                  <p:childTnLst>
+                                    <p:animRot by="21600000">
+                                      <p:cBhvr>
+                                        <p:cTn id="8" dur="2000" fill="hold"/>
+                                        <p:tgtEl>
+                                          <p:spTgt spid="6"/>
+                                        </p:tgtEl>
+                                        <p:attrNameLst>
+                                          <p:attrName>r</p:attrName>
+                                        </p:attrNameLst>
+                                      </p:cBhvr>
+                                    </p:animRot>
+                                  </p:childTnLst>
+                                </p:cTn>
+                              </p:par>
+                              <p:par>
+                                <p:cTn id="9" presetID="8" presetClass="emph" presetSubtype="0" repeatCount="indefinite" fill="hold" nodeType="withEffect">
+                                  <p:stCondLst>
+                                    <p:cond delay="0"/>
+                                  </p:stCondLst>
+                                  <p:endCondLst>
+                                    <p:cond evt="onNext" delay="0">
+                                      <p:tgtEl>
+                                        <p:sldTgt/>
+                                      </p:tgtEl>
+                                    </p:cond>
+                                  </p:endCondLst>
+                                  <p:childTnLst>
+                                    <p:animRot by="21600000">
+                                      <p:cBhvr>
+                                        <p:cTn id="10" dur="2000" fill="hold"/>
+                                        <p:tgtEl>
+                                          <p:spTgt spid="7"/>
+                                        </p:tgtEl>
+                                        <p:attrNameLst>
+                                          <p:attrName>r</p:attrName>
+                                        </p:attrNameLst>
+                                      </p:cBhvr>
+                                    </p:animRot>
+                                  </p:childTnLst>
+                                </p:cTn>
+                              </p:par>
+                              <p:par>
+                                <p:cTn id="11" presetID="8" presetClass="emph" presetSubtype="0" repeatCount="indefinite" fill="hold" nodeType="withEffect">
+                                  <p:stCondLst>
+                                    <p:cond delay="0"/>
+                                  </p:stCondLst>
+                                  <p:endCondLst>
+                                    <p:cond evt="onNext" delay="0">
+                                      <p:tgtEl>
+                                        <p:sldTgt/>
+                                      </p:tgtEl>
+                                    </p:cond>
+                                  </p:endCondLst>
+                                  <p:childTnLst>
+                                    <p:animRot by="21600000">
+                                      <p:cBhvr>
+                                        <p:cTn id="12" dur="2000" fill="hold"/>
+                                        <p:tgtEl>
+                                          <p:spTgt spid="8"/>
+                                        </p:tgtEl>
+                                        <p:attrNameLst>
+                                          <p:attrName>r</p:attrName>
+                                        </p:attrNameLst>
+                                      </p:cBhvr>
+                                    </p:animRot>
+                                  </p:childTnLst>
+                                </p:cTn>
+                              </p:par>
+                              <p:par>
+                                <p:cTn id="13" presetID="8" presetClass="emph" presetSubtype="0" repeatCount="indefinite" fill="hold" nodeType="withEffect">
+                                  <p:stCondLst>
+                                    <p:cond delay="0"/>
+                                  </p:stCondLst>
+                                  <p:endCondLst>
+                                    <p:cond evt="onNext" delay="0">
+                                      <p:tgtEl>
+                                        <p:sldTgt/>
+                                      </p:tgtEl>
+                                    </p:cond>
+                                  </p:endCondLst>
+                                  <p:childTnLst>
+                                    <p:animRot by="21600000">
+                                      <p:cBhvr>
+                                        <p:cTn id="14" dur="2000" fill="hold"/>
+                                        <p:tgtEl>
+                                          <p:spTgt spid="9"/>
+                                        </p:tgtEl>
+                                        <p:attrNameLst>
+                                          <p:attrName>r</p:attrName>
+                                        </p:attrNameLst>
+                                      </p:cBhvr>
+                                    </p:animRot>
+                                  </p:childTnLst>
+                                </p:cTn>
+                              </p:par>
+                              <p:par>
+                                <p:cTn id="15" presetID="8" presetClass="emph" presetSubtype="0" repeatCount="indefinite" fill="hold" nodeType="withEffect">
+                                  <p:stCondLst>
+                                    <p:cond delay="0"/>
+                                  </p:stCondLst>
+                                  <p:endCondLst>
+                                    <p:cond evt="onNext" delay="0">
+                                      <p:tgtEl>
+                                        <p:sldTgt/>
+                                      </p:tgtEl>
+                                    </p:cond>
+                                  </p:endCondLst>
+                                  <p:childTnLst>
+                                    <p:animRot by="21600000">
+                                      <p:cBhvr>
+                                        <p:cTn id="16" dur="2000" fill="hold"/>
+                                        <p:tgtEl>
+                                          <p:spTgt spid="10"/>
+                                        </p:tgtEl>
+                                        <p:attrNameLst>
+                                          <p:attrName>r</p:attrName>
+                                        </p:attrNameLst>
+                                      </p:cBhvr>
+                                    </p:animRot>
+                                  </p:childTnLst>
+                                </p:cTn>
+                              </p:par>
+                              <p:par>
+                                <p:cTn id="17" presetID="8" presetClass="emph" presetSubtype="0" repeatCount="indefinite" fill="hold" nodeType="withEffect">
+                                  <p:stCondLst>
+                                    <p:cond delay="0"/>
+                                  </p:stCondLst>
+                                  <p:endCondLst>
+                                    <p:cond evt="onNext" delay="0">
+                                      <p:tgtEl>
+                                        <p:sldTgt/>
+                                      </p:tgtEl>
+                                    </p:cond>
+                                  </p:endCondLst>
+                                  <p:childTnLst>
+                                    <p:animRot by="21600000">
+                                      <p:cBhvr>
+                                        <p:cTn id="18" dur="2000" fill="hold"/>
+                                        <p:tgtEl>
+                                          <p:spTgt spid="11"/>
+                                        </p:tgtEl>
+                                        <p:attrNameLst>
+                                          <p:attrName>r</p:attrName>
+                                        </p:attrNameLst>
+                                      </p:cBhvr>
+                                    </p:animRot>
+                                  </p:childTnLst>
+                                </p:cTn>
+                              </p:par>
+                              <p:par>
+                                <p:cTn id="19" presetID="8" presetClass="emph" presetSubtype="0" repeatCount="indefinite" fill="hold" nodeType="withEffect">
+                                  <p:stCondLst>
+                                    <p:cond delay="0"/>
+                                  </p:stCondLst>
+                                  <p:endCondLst>
+                                    <p:cond evt="onNext" delay="0">
+                                      <p:tgtEl>
+                                        <p:sldTgt/>
+                                      </p:tgtEl>
+                                    </p:cond>
+                                  </p:endCondLst>
+                                  <p:childTnLst>
+                                    <p:animRot by="21600000">
+                                      <p:cBhvr>
+                                        <p:cTn id="20" dur="2000" fill="hold"/>
+                                        <p:tgtEl>
+                                          <p:spTgt spid="12"/>
+                                        </p:tgtEl>
+                                        <p:attrNameLst>
+                                          <p:attrName>r</p:attrName>
+                                        </p:attrNameLst>
+                                      </p:cBhvr>
+                                    </p:animRot>
+                                  </p:childTnLst>
+                                </p:cTn>
+                              </p:par>
+                              <p:par>
+                                <p:cTn id="21" presetID="8" presetClass="emph" presetSubtype="0" repeatCount="indefinite" fill="hold" nodeType="withEffect">
+                                  <p:stCondLst>
+                                    <p:cond delay="0"/>
+                                  </p:stCondLst>
+                                  <p:endCondLst>
+                                    <p:cond evt="onNext" delay="0">
+                                      <p:tgtEl>
+                                        <p:sldTgt/>
+                                      </p:tgtEl>
+                                    </p:cond>
+                                  </p:endCondLst>
+                                  <p:childTnLst>
+                                    <p:animRot by="21600000">
+                                      <p:cBhvr>
+                                        <p:cTn id="22" dur="2000" fill="hold"/>
+                                        <p:tgtEl>
+                                          <p:spTgt spid="21"/>
+                                        </p:tgtEl>
+                                        <p:attrNameLst>
+                                          <p:attrName>r</p:attrName>
+                                        </p:attrNameLst>
+                                      </p:cBhvr>
+                                    </p:animRot>
+                                  </p:childTnLst>
+                                </p:cTn>
+                              </p:par>
+                              <p:par>
+                                <p:cTn id="23" presetID="8" presetClass="emph" presetSubtype="0" repeatCount="indefinite" fill="hold" nodeType="withEffect">
+                                  <p:stCondLst>
+                                    <p:cond delay="0"/>
+                                  </p:stCondLst>
+                                  <p:endCondLst>
+                                    <p:cond evt="onNext" delay="0">
+                                      <p:tgtEl>
+                                        <p:sldTgt/>
+                                      </p:tgtEl>
+                                    </p:cond>
+                                  </p:endCondLst>
+                                  <p:childTnLst>
+                                    <p:animRot by="21600000">
+                                      <p:cBhvr>
+                                        <p:cTn id="24" dur="2000" fill="hold"/>
+                                        <p:tgtEl>
+                                          <p:spTgt spid="22"/>
+                                        </p:tgtEl>
+                                        <p:attrNameLst>
+                                          <p:attrName>r</p:attrName>
+                                        </p:attrNameLst>
+                                      </p:cBhvr>
+                                    </p:animRot>
+                                  </p:childTnLst>
+                                </p:cTn>
+                              </p:par>
+                              <p:par>
+                                <p:cTn id="25" presetID="8" presetClass="emph" presetSubtype="0" repeatCount="indefinite" fill="hold" nodeType="withEffect">
+                                  <p:stCondLst>
+                                    <p:cond delay="0"/>
+                                  </p:stCondLst>
+                                  <p:endCondLst>
+                                    <p:cond evt="onNext" delay="0">
+                                      <p:tgtEl>
+                                        <p:sldTgt/>
+                                      </p:tgtEl>
+                                    </p:cond>
+                                  </p:endCondLst>
+                                  <p:childTnLst>
+                                    <p:animRot by="21600000">
+                                      <p:cBhvr>
+                                        <p:cTn id="26" dur="2000" fill="hold"/>
+                                        <p:tgtEl>
+                                          <p:spTgt spid="23"/>
+                                        </p:tgtEl>
+                                        <p:attrNameLst>
+                                          <p:attrName>r</p:attrName>
+                                        </p:attrNameLst>
+                                      </p:cBhvr>
+                                    </p:animRot>
+                                  </p:childTnLst>
+                                </p:cTn>
+                              </p:par>
+                              <p:par>
+                                <p:cTn id="27" presetID="8" presetClass="emph" presetSubtype="0" repeatCount="indefinite" fill="hold" nodeType="withEffect">
+                                  <p:stCondLst>
+                                    <p:cond delay="0"/>
+                                  </p:stCondLst>
+                                  <p:endCondLst>
+                                    <p:cond evt="onNext" delay="0">
+                                      <p:tgtEl>
+                                        <p:sldTgt/>
+                                      </p:tgtEl>
+                                    </p:cond>
+                                  </p:endCondLst>
+                                  <p:childTnLst>
+                                    <p:animRot by="21600000">
+                                      <p:cBhvr>
+                                        <p:cTn id="28" dur="2000" fill="hold"/>
+                                        <p:tgtEl>
+                                          <p:spTgt spid="24"/>
+                                        </p:tgtEl>
+                                        <p:attrNameLst>
+                                          <p:attrName>r</p:attrName>
+                                        </p:attrNameLst>
+                                      </p:cBhvr>
+                                    </p:animRot>
+                                  </p:childTnLst>
+                                </p:cTn>
+                              </p:par>
+                              <p:par>
+                                <p:cTn id="29" presetID="8" presetClass="emph" presetSubtype="0" repeatCount="indefinite" fill="hold" nodeType="withEffect">
+                                  <p:stCondLst>
+                                    <p:cond delay="0"/>
+                                  </p:stCondLst>
+                                  <p:endCondLst>
+                                    <p:cond evt="onNext" delay="0">
+                                      <p:tgtEl>
+                                        <p:sldTgt/>
+                                      </p:tgtEl>
+                                    </p:cond>
+                                  </p:endCondLst>
+                                  <p:childTnLst>
+                                    <p:animRot by="21600000">
+                                      <p:cBhvr>
+                                        <p:cTn id="30" dur="2000" fill="hold"/>
+                                        <p:tgtEl>
+                                          <p:spTgt spid="25"/>
+                                        </p:tgtEl>
+                                        <p:attrNameLst>
+                                          <p:attrName>r</p:attrName>
+                                        </p:attrNameLst>
+                                      </p:cBhvr>
+                                    </p:animRot>
+                                  </p:childTnLst>
+                                </p:cTn>
+                              </p:par>
+                              <p:par>
+                                <p:cTn id="31" presetID="8" presetClass="emph" presetSubtype="0" repeatCount="indefinite" fill="hold" nodeType="withEffect">
+                                  <p:stCondLst>
+                                    <p:cond delay="0"/>
+                                  </p:stCondLst>
+                                  <p:endCondLst>
+                                    <p:cond evt="onNext" delay="0">
+                                      <p:tgtEl>
+                                        <p:sldTgt/>
+                                      </p:tgtEl>
+                                    </p:cond>
+                                  </p:endCondLst>
+                                  <p:childTnLst>
+                                    <p:animRot by="21600000">
+                                      <p:cBhvr>
+                                        <p:cTn id="32" dur="2000" fill="hold"/>
+                                        <p:tgtEl>
+                                          <p:spTgt spid="26"/>
+                                        </p:tgtEl>
+                                        <p:attrNameLst>
+                                          <p:attrName>r</p:attrName>
+                                        </p:attrNameLst>
+                                      </p:cBhvr>
+                                    </p:animRot>
+                                  </p:childTnLst>
+                                </p:cTn>
+                              </p:par>
+                              <p:par>
+                                <p:cTn id="33" presetID="8" presetClass="emph" presetSubtype="0" repeatCount="indefinite" fill="hold" nodeType="withEffect">
+                                  <p:stCondLst>
+                                    <p:cond delay="0"/>
+                                  </p:stCondLst>
+                                  <p:endCondLst>
+                                    <p:cond evt="onNext" delay="0">
+                                      <p:tgtEl>
+                                        <p:sldTgt/>
+                                      </p:tgtEl>
+                                    </p:cond>
+                                  </p:endCondLst>
+                                  <p:childTnLst>
+                                    <p:animRot by="21600000">
+                                      <p:cBhvr>
+                                        <p:cTn id="34" dur="2000" fill="hold"/>
+                                        <p:tgtEl>
+                                          <p:spTgt spid="27"/>
+                                        </p:tgtEl>
+                                        <p:attrNameLst>
+                                          <p:attrName>r</p:attrName>
+                                        </p:attrNameLst>
+                                      </p:cBhvr>
+                                    </p:animRot>
+                                  </p:childTnLst>
+                                </p:cTn>
+                              </p:par>
+                              <p:par>
+                                <p:cTn id="35" presetID="8" presetClass="emph" presetSubtype="0" repeatCount="indefinite" fill="hold" nodeType="withEffect">
+                                  <p:stCondLst>
+                                    <p:cond delay="0"/>
+                                  </p:stCondLst>
+                                  <p:endCondLst>
+                                    <p:cond evt="onNext" delay="0">
+                                      <p:tgtEl>
+                                        <p:sldTgt/>
+                                      </p:tgtEl>
+                                    </p:cond>
+                                  </p:endCondLst>
+                                  <p:childTnLst>
+                                    <p:animRot by="21600000">
+                                      <p:cBhvr>
+                                        <p:cTn id="36" dur="2000" fill="hold"/>
+                                        <p:tgtEl>
+                                          <p:spTgt spid="28"/>
+                                        </p:tgtEl>
+                                        <p:attrNameLst>
+                                          <p:attrName>r</p:attrName>
+                                        </p:attrNameLst>
+                                      </p:cBhvr>
+                                    </p:animRot>
+                                  </p:childTnLst>
+                                </p:cTn>
+                              </p:par>
+                            </p:childTnLst>
+                          </p:cTn>
+                        </p:par>
+                      </p:childTnLst>
+                    </p:cTn>
+                  </p:par>
+                </p:childTnLst>
+              </p:cTn>
+              <p:prevCondLst>
+                <p:cond evt="onPrev" delay="0">
+                  <p:tgtEl>
+                    <p:sldTgt/>
+                  </p:tgtEl>
+                </p:cond>
+              </p:prevCondLst>
+              <p:nextCondLst>
+                <p:cond evt="onNext" delay="0">
+                  <p:tgtEl>
+                    <p:sldTgt/>
+                  </p:tgtEl>
+                </p:cond>
+              </p:nextCondLst>
+            </p:seq>
+          </p:childTnLst>
+        </p:cTn>
+      </p:par>
+    </p:tnLst>
+  </p:timing>
+</p:sld>
+</file>
+
+<file path=ppt/slides/slide7.xml><?xml version="1.0" encoding="utf-8"?>
+<p:sld xmlns:a="http://schemas.openxmlformats.org/drawingml/2006/main" xmlns:r="http://schemas.openxmlformats.org/officeDocument/2006/relationships" xmlns:p="http://schemas.openxmlformats.org/presentationml/2006/main">
+  <p:cSld>
+    <p:bg>
+      <p:bgPr>
+        <a:solidFill>
+          <a:schemeClr val="tx1"/>
+        </a:solidFill>
+        <a:effectLst/>
+      </p:bgPr>
+    </p:bg>
+    <p:spTree>
+      <p:nvGrpSpPr>
+        <p:cNvPr id="1" name=""/>
+        <p:cNvGrpSpPr/>
+        <p:nvPr/>
+      </p:nvGrpSpPr>
+      <p:grpSpPr>
+        <a:xfrm>
+          <a:off x="0" y="0"/>
+          <a:ext cx="0" cy="0"/>
+          <a:chOff x="0" y="0"/>
+          <a:chExt cx="0" cy="0"/>
+        </a:xfrm>
+      </p:grpSpPr>
+      <p:pic>
+        <p:nvPicPr>
+          <p:cNvPr id="5" name="Picture 4"/>
+          <p:cNvPicPr>
+            <a:picLocks noChangeAspect="1"/>
+          </p:cNvPicPr>
+          <p:nvPr/>
+        </p:nvPicPr>
+        <p:blipFill>
+          <a:blip r:embed="rId2" cstate="print">
+            <a:extLst>
+              <a:ext uri="{28A0092B-C50C-407E-A947-70E740481C1C}">
+                <a14:useLocalDpi xmlns:a14="http://schemas.microsoft.com/office/drawing/2010/main" val="0"/>
+              </a:ext>
+            </a:extLst>
+          </a:blip>
+          <a:stretch>
+            <a:fillRect/>
+          </a:stretch>
+        </p:blipFill>
+        <p:spPr>
+          <a:xfrm>
+            <a:off x="3273269" y="523690"/>
+            <a:ext cx="1234443" cy="1234443"/>
+          </a:xfrm>
+          <a:prstGeom prst="rect">
+            <a:avLst/>
+          </a:prstGeom>
+        </p:spPr>
+      </p:pic>
+      <p:pic>
+        <p:nvPicPr>
+          <p:cNvPr id="6" name="Picture 5"/>
+          <p:cNvPicPr>
+            <a:picLocks noChangeAspect="1"/>
+          </p:cNvPicPr>
+          <p:nvPr/>
+        </p:nvPicPr>
+        <p:blipFill>
+          <a:blip r:embed="rId2" cstate="print">
+            <a:extLst>
+              <a:ext uri="{28A0092B-C50C-407E-A947-70E740481C1C}">
+                <a14:useLocalDpi xmlns:a14="http://schemas.microsoft.com/office/drawing/2010/main" val="0"/>
+              </a:ext>
+            </a:extLst>
+          </a:blip>
+          <a:stretch>
+            <a:fillRect/>
+          </a:stretch>
+        </p:blipFill>
+        <p:spPr>
+          <a:xfrm rot="5400000">
+            <a:off x="4803532" y="523690"/>
+            <a:ext cx="1234443" cy="1234443"/>
+          </a:xfrm>
+          <a:prstGeom prst="rect">
+            <a:avLst/>
+          </a:prstGeom>
+        </p:spPr>
+      </p:pic>
+      <p:pic>
+        <p:nvPicPr>
+          <p:cNvPr id="7" name="Picture 6"/>
+          <p:cNvPicPr>
+            <a:picLocks noChangeAspect="1"/>
+          </p:cNvPicPr>
+          <p:nvPr/>
+        </p:nvPicPr>
+        <p:blipFill>
+          <a:blip r:embed="rId2" cstate="print">
+            <a:extLst>
+              <a:ext uri="{28A0092B-C50C-407E-A947-70E740481C1C}">
+                <a14:useLocalDpi xmlns:a14="http://schemas.microsoft.com/office/drawing/2010/main" val="0"/>
+              </a:ext>
+            </a:extLst>
+          </a:blip>
+          <a:stretch>
+            <a:fillRect/>
+          </a:stretch>
+        </p:blipFill>
+        <p:spPr>
+          <a:xfrm rot="5400000">
+            <a:off x="3273269" y="2013823"/>
+            <a:ext cx="1234443" cy="1234443"/>
+          </a:xfrm>
+          <a:prstGeom prst="rect">
+            <a:avLst/>
+          </a:prstGeom>
+        </p:spPr>
+      </p:pic>
+      <p:pic>
+        <p:nvPicPr>
+          <p:cNvPr id="8" name="Picture 7"/>
+          <p:cNvPicPr>
+            <a:picLocks noChangeAspect="1"/>
+          </p:cNvPicPr>
+          <p:nvPr/>
+        </p:nvPicPr>
+        <p:blipFill>
+          <a:blip r:embed="rId2" cstate="print">
+            <a:extLst>
+              <a:ext uri="{28A0092B-C50C-407E-A947-70E740481C1C}">
+                <a14:useLocalDpi xmlns:a14="http://schemas.microsoft.com/office/drawing/2010/main" val="0"/>
+              </a:ext>
+            </a:extLst>
+          </a:blip>
+          <a:stretch>
+            <a:fillRect/>
+          </a:stretch>
+        </p:blipFill>
+        <p:spPr>
+          <a:xfrm>
+            <a:off x="4803532" y="2013823"/>
+            <a:ext cx="1234443" cy="1234443"/>
+          </a:xfrm>
+          <a:prstGeom prst="rect">
+            <a:avLst/>
+          </a:prstGeom>
+        </p:spPr>
+      </p:pic>
+      <p:pic>
+        <p:nvPicPr>
+          <p:cNvPr id="9" name="Picture 8"/>
+          <p:cNvPicPr>
+            <a:picLocks noChangeAspect="1"/>
+          </p:cNvPicPr>
+          <p:nvPr/>
+        </p:nvPicPr>
+        <p:blipFill>
+          <a:blip r:embed="rId2" cstate="print">
+            <a:extLst>
+              <a:ext uri="{28A0092B-C50C-407E-A947-70E740481C1C}">
+                <a14:useLocalDpi xmlns:a14="http://schemas.microsoft.com/office/drawing/2010/main" val="0"/>
+              </a:ext>
+            </a:extLst>
+          </a:blip>
+          <a:stretch>
+            <a:fillRect/>
+          </a:stretch>
+        </p:blipFill>
+        <p:spPr>
+          <a:xfrm>
+            <a:off x="6333795" y="523690"/>
+            <a:ext cx="1234443" cy="1234443"/>
+          </a:xfrm>
+          <a:prstGeom prst="rect">
+            <a:avLst/>
+          </a:prstGeom>
+        </p:spPr>
+      </p:pic>
+      <p:pic>
+        <p:nvPicPr>
+          <p:cNvPr id="10" name="Picture 9"/>
+          <p:cNvPicPr>
+            <a:picLocks noChangeAspect="1"/>
+          </p:cNvPicPr>
+          <p:nvPr/>
+        </p:nvPicPr>
+        <p:blipFill>
+          <a:blip r:embed="rId2" cstate="print">
+            <a:extLst>
+              <a:ext uri="{28A0092B-C50C-407E-A947-70E740481C1C}">
+                <a14:useLocalDpi xmlns:a14="http://schemas.microsoft.com/office/drawing/2010/main" val="0"/>
+              </a:ext>
+            </a:extLst>
+          </a:blip>
+          <a:stretch>
+            <a:fillRect/>
+          </a:stretch>
+        </p:blipFill>
+        <p:spPr>
+          <a:xfrm rot="5400000">
+            <a:off x="7864058" y="523690"/>
+            <a:ext cx="1234443" cy="1234443"/>
+          </a:xfrm>
+          <a:prstGeom prst="rect">
+            <a:avLst/>
+          </a:prstGeom>
+        </p:spPr>
+      </p:pic>
+      <p:pic>
+        <p:nvPicPr>
+          <p:cNvPr id="11" name="Picture 10"/>
+          <p:cNvPicPr>
+            <a:picLocks noChangeAspect="1"/>
+          </p:cNvPicPr>
+          <p:nvPr/>
+        </p:nvPicPr>
+        <p:blipFill>
+          <a:blip r:embed="rId2" cstate="print">
+            <a:extLst>
+              <a:ext uri="{28A0092B-C50C-407E-A947-70E740481C1C}">
+                <a14:useLocalDpi xmlns:a14="http://schemas.microsoft.com/office/drawing/2010/main" val="0"/>
+              </a:ext>
+            </a:extLst>
+          </a:blip>
+          <a:stretch>
+            <a:fillRect/>
+          </a:stretch>
+        </p:blipFill>
+        <p:spPr>
+          <a:xfrm rot="5400000">
+            <a:off x="6333795" y="2013823"/>
+            <a:ext cx="1234443" cy="1234443"/>
+          </a:xfrm>
+          <a:prstGeom prst="rect">
+            <a:avLst/>
+          </a:prstGeom>
+        </p:spPr>
+      </p:pic>
+      <p:pic>
+        <p:nvPicPr>
+          <p:cNvPr id="12" name="Picture 11"/>
+          <p:cNvPicPr>
+            <a:picLocks noChangeAspect="1"/>
+          </p:cNvPicPr>
+          <p:nvPr/>
+        </p:nvPicPr>
+        <p:blipFill>
+          <a:blip r:embed="rId2" cstate="print">
+            <a:extLst>
+              <a:ext uri="{28A0092B-C50C-407E-A947-70E740481C1C}">
+                <a14:useLocalDpi xmlns:a14="http://schemas.microsoft.com/office/drawing/2010/main" val="0"/>
+              </a:ext>
+            </a:extLst>
+          </a:blip>
+          <a:stretch>
+            <a:fillRect/>
+          </a:stretch>
+        </p:blipFill>
+        <p:spPr>
+          <a:xfrm>
+            <a:off x="7864058" y="2013823"/>
+            <a:ext cx="1234443" cy="1234443"/>
+          </a:xfrm>
+          <a:prstGeom prst="rect">
+            <a:avLst/>
+          </a:prstGeom>
+        </p:spPr>
+      </p:pic>
+      <p:pic>
+        <p:nvPicPr>
+          <p:cNvPr id="21" name="Picture 20"/>
+          <p:cNvPicPr>
+            <a:picLocks noChangeAspect="1"/>
+          </p:cNvPicPr>
+          <p:nvPr/>
+        </p:nvPicPr>
+        <p:blipFill>
+          <a:blip r:embed="rId2" cstate="print">
+            <a:extLst>
+              <a:ext uri="{28A0092B-C50C-407E-A947-70E740481C1C}">
+                <a14:useLocalDpi xmlns:a14="http://schemas.microsoft.com/office/drawing/2010/main" val="0"/>
+              </a:ext>
+            </a:extLst>
+          </a:blip>
+          <a:stretch>
+            <a:fillRect/>
+          </a:stretch>
+        </p:blipFill>
+        <p:spPr>
+          <a:xfrm>
+            <a:off x="3273269" y="3503956"/>
+            <a:ext cx="1234443" cy="1234443"/>
+          </a:xfrm>
+          <a:prstGeom prst="rect">
+            <a:avLst/>
+          </a:prstGeom>
+        </p:spPr>
+      </p:pic>
+      <p:pic>
+        <p:nvPicPr>
+          <p:cNvPr id="22" name="Picture 21"/>
+          <p:cNvPicPr>
+            <a:picLocks noChangeAspect="1"/>
+          </p:cNvPicPr>
+          <p:nvPr/>
+        </p:nvPicPr>
+        <p:blipFill>
+          <a:blip r:embed="rId2" cstate="print">
+            <a:extLst>
+              <a:ext uri="{28A0092B-C50C-407E-A947-70E740481C1C}">
+                <a14:useLocalDpi xmlns:a14="http://schemas.microsoft.com/office/drawing/2010/main" val="0"/>
+              </a:ext>
+            </a:extLst>
+          </a:blip>
+          <a:stretch>
+            <a:fillRect/>
+          </a:stretch>
+        </p:blipFill>
+        <p:spPr>
+          <a:xfrm rot="5400000">
+            <a:off x="4803532" y="3503956"/>
+            <a:ext cx="1234443" cy="1234443"/>
+          </a:xfrm>
+          <a:prstGeom prst="rect">
+            <a:avLst/>
+          </a:prstGeom>
+        </p:spPr>
+      </p:pic>
+      <p:pic>
+        <p:nvPicPr>
+          <p:cNvPr id="23" name="Picture 22"/>
+          <p:cNvPicPr>
+            <a:picLocks noChangeAspect="1"/>
+          </p:cNvPicPr>
+          <p:nvPr/>
+        </p:nvPicPr>
+        <p:blipFill>
+          <a:blip r:embed="rId2" cstate="print">
+            <a:extLst>
+              <a:ext uri="{28A0092B-C50C-407E-A947-70E740481C1C}">
+                <a14:useLocalDpi xmlns:a14="http://schemas.microsoft.com/office/drawing/2010/main" val="0"/>
+              </a:ext>
+            </a:extLst>
+          </a:blip>
+          <a:stretch>
+            <a:fillRect/>
+          </a:stretch>
+        </p:blipFill>
+        <p:spPr>
+          <a:xfrm rot="5400000">
+            <a:off x="3273269" y="4994089"/>
+            <a:ext cx="1234443" cy="1234443"/>
+          </a:xfrm>
+          <a:prstGeom prst="rect">
+            <a:avLst/>
+          </a:prstGeom>
+        </p:spPr>
+      </p:pic>
+      <p:pic>
+        <p:nvPicPr>
+          <p:cNvPr id="24" name="Picture 23"/>
+          <p:cNvPicPr>
+            <a:picLocks noChangeAspect="1"/>
+          </p:cNvPicPr>
+          <p:nvPr/>
+        </p:nvPicPr>
+        <p:blipFill>
+          <a:blip r:embed="rId2" cstate="print">
+            <a:extLst>
+              <a:ext uri="{28A0092B-C50C-407E-A947-70E740481C1C}">
+                <a14:useLocalDpi xmlns:a14="http://schemas.microsoft.com/office/drawing/2010/main" val="0"/>
+              </a:ext>
+            </a:extLst>
+          </a:blip>
+          <a:stretch>
+            <a:fillRect/>
+          </a:stretch>
+        </p:blipFill>
+        <p:spPr>
+          <a:xfrm>
+            <a:off x="4803532" y="4994089"/>
+            <a:ext cx="1234443" cy="1234443"/>
+          </a:xfrm>
+          <a:prstGeom prst="rect">
+            <a:avLst/>
+          </a:prstGeom>
+        </p:spPr>
+      </p:pic>
+      <p:pic>
+        <p:nvPicPr>
+          <p:cNvPr id="25" name="Picture 24"/>
+          <p:cNvPicPr>
+            <a:picLocks noChangeAspect="1"/>
+          </p:cNvPicPr>
+          <p:nvPr/>
+        </p:nvPicPr>
+        <p:blipFill>
+          <a:blip r:embed="rId2" cstate="print">
+            <a:extLst>
+              <a:ext uri="{28A0092B-C50C-407E-A947-70E740481C1C}">
+                <a14:useLocalDpi xmlns:a14="http://schemas.microsoft.com/office/drawing/2010/main" val="0"/>
+              </a:ext>
+            </a:extLst>
+          </a:blip>
+          <a:stretch>
+            <a:fillRect/>
+          </a:stretch>
+        </p:blipFill>
+        <p:spPr>
+          <a:xfrm>
+            <a:off x="6333795" y="3503956"/>
+            <a:ext cx="1234443" cy="1234443"/>
+          </a:xfrm>
+          <a:prstGeom prst="rect">
+            <a:avLst/>
+          </a:prstGeom>
+        </p:spPr>
+      </p:pic>
+      <p:pic>
+        <p:nvPicPr>
+          <p:cNvPr id="26" name="Picture 25"/>
+          <p:cNvPicPr>
+            <a:picLocks noChangeAspect="1"/>
+          </p:cNvPicPr>
+          <p:nvPr/>
+        </p:nvPicPr>
+        <p:blipFill>
+          <a:blip r:embed="rId2" cstate="print">
+            <a:extLst>
+              <a:ext uri="{28A0092B-C50C-407E-A947-70E740481C1C}">
+                <a14:useLocalDpi xmlns:a14="http://schemas.microsoft.com/office/drawing/2010/main" val="0"/>
+              </a:ext>
+            </a:extLst>
+          </a:blip>
+          <a:stretch>
+            <a:fillRect/>
+          </a:stretch>
+        </p:blipFill>
+        <p:spPr>
+          <a:xfrm rot="5400000">
+            <a:off x="7864058" y="3503956"/>
+            <a:ext cx="1234443" cy="1234443"/>
+          </a:xfrm>
+          <a:prstGeom prst="rect">
+            <a:avLst/>
+          </a:prstGeom>
+        </p:spPr>
+      </p:pic>
+      <p:pic>
+        <p:nvPicPr>
+          <p:cNvPr id="27" name="Picture 26"/>
+          <p:cNvPicPr>
+            <a:picLocks noChangeAspect="1"/>
+          </p:cNvPicPr>
+          <p:nvPr/>
+        </p:nvPicPr>
+        <p:blipFill>
+          <a:blip r:embed="rId2" cstate="print">
+            <a:extLst>
+              <a:ext uri="{28A0092B-C50C-407E-A947-70E740481C1C}">
+                <a14:useLocalDpi xmlns:a14="http://schemas.microsoft.com/office/drawing/2010/main" val="0"/>
+              </a:ext>
+            </a:extLst>
+          </a:blip>
+          <a:stretch>
+            <a:fillRect/>
+          </a:stretch>
+        </p:blipFill>
+        <p:spPr>
+          <a:xfrm rot="5400000">
+            <a:off x="6333795" y="4994089"/>
+            <a:ext cx="1234443" cy="1234443"/>
+          </a:xfrm>
+          <a:prstGeom prst="rect">
+            <a:avLst/>
+          </a:prstGeom>
+        </p:spPr>
+      </p:pic>
+      <p:pic>
+        <p:nvPicPr>
+          <p:cNvPr id="28" name="Picture 27"/>
+          <p:cNvPicPr>
+            <a:picLocks noChangeAspect="1"/>
+          </p:cNvPicPr>
+          <p:nvPr/>
+        </p:nvPicPr>
+        <p:blipFill>
+          <a:blip r:embed="rId2" cstate="print">
+            <a:extLst>
+              <a:ext uri="{28A0092B-C50C-407E-A947-70E740481C1C}">
+                <a14:useLocalDpi xmlns:a14="http://schemas.microsoft.com/office/drawing/2010/main" val="0"/>
+              </a:ext>
+            </a:extLst>
+          </a:blip>
+          <a:stretch>
+            <a:fillRect/>
+          </a:stretch>
+        </p:blipFill>
+        <p:spPr>
+          <a:xfrm>
+            <a:off x="7864058" y="4994089"/>
+            <a:ext cx="1234443" cy="1234443"/>
+          </a:xfrm>
+          <a:prstGeom prst="rect">
+            <a:avLst/>
+          </a:prstGeom>
+        </p:spPr>
+      </p:pic>
+    </p:spTree>
+    <p:extLst>
+      <p:ext uri="{BB962C8B-B14F-4D97-AF65-F5344CB8AC3E}">
+        <p14:creationId xmlns:p14="http://schemas.microsoft.com/office/powerpoint/2010/main" val="2819753247"/>
+      </p:ext>
+    </p:extLst>
+  </p:cSld>
+  <p:clrMapOvr>
+    <a:masterClrMapping/>
+  </p:clrMapOvr>
+  <p:timing>
+    <p:tnLst>
+      <p:par>
+        <p:cTn id="1" dur="indefinite" restart="never" nodeType="tmRoot">
+          <p:childTnLst>
+            <p:seq concurrent="1" nextAc="seek">
+              <p:cTn id="2" dur="indefinite" nodeType="mainSeq">
+                <p:childTnLst>
+                  <p:par>
+                    <p:cTn id="3" fill="hold">
+                      <p:stCondLst>
+                        <p:cond delay="indefinite"/>
+                      </p:stCondLst>
+                      <p:childTnLst>
+                        <p:par>
+                          <p:cTn id="4" fill="hold">
+                            <p:stCondLst>
+                              <p:cond delay="0"/>
+                            </p:stCondLst>
+                            <p:childTnLst>
+                              <p:par>
+                                <p:cTn id="5" presetID="8" presetClass="emph" presetSubtype="0" repeatCount="indefinite" fill="hold" nodeType="clickEffect">
+                                  <p:stCondLst>
+                                    <p:cond delay="0"/>
+                                  </p:stCondLst>
+                                  <p:endCondLst>
+                                    <p:cond evt="onNext" delay="0">
+                                      <p:tgtEl>
+                                        <p:sldTgt/>
+                                      </p:tgtEl>
+                                    </p:cond>
+                                  </p:endCondLst>
+                                  <p:childTnLst>
+                                    <p:animRot by="21600000">
+                                      <p:cBhvr>
+                                        <p:cTn id="6" dur="2000" fill="hold"/>
+                                        <p:tgtEl>
+                                          <p:spTgt spid="5"/>
+                                        </p:tgtEl>
+                                        <p:attrNameLst>
+                                          <p:attrName>r</p:attrName>
+                                        </p:attrNameLst>
+                                      </p:cBhvr>
+                                    </p:animRot>
+                                  </p:childTnLst>
+                                </p:cTn>
+                              </p:par>
+                              <p:par>
+                                <p:cTn id="7" presetID="8" presetClass="emph" presetSubtype="0" repeatCount="indefinite" fill="hold" nodeType="withEffect">
+                                  <p:stCondLst>
+                                    <p:cond delay="0"/>
+                                  </p:stCondLst>
+                                  <p:endCondLst>
+                                    <p:cond evt="onNext" delay="0">
+                                      <p:tgtEl>
+                                        <p:sldTgt/>
+                                      </p:tgtEl>
+                                    </p:cond>
+                                  </p:endCondLst>
+                                  <p:childTnLst>
+                                    <p:animRot by="21600000">
+                                      <p:cBhvr>
+                                        <p:cTn id="8" dur="2000" fill="hold"/>
+                                        <p:tgtEl>
+                                          <p:spTgt spid="6"/>
+                                        </p:tgtEl>
+                                        <p:attrNameLst>
+                                          <p:attrName>r</p:attrName>
+                                        </p:attrNameLst>
+                                      </p:cBhvr>
+                                    </p:animRot>
+                                  </p:childTnLst>
+                                </p:cTn>
+                              </p:par>
+                              <p:par>
+                                <p:cTn id="9" presetID="8" presetClass="emph" presetSubtype="0" repeatCount="indefinite" fill="hold" nodeType="withEffect">
+                                  <p:stCondLst>
+                                    <p:cond delay="0"/>
+                                  </p:stCondLst>
+                                  <p:endCondLst>
+                                    <p:cond evt="onNext" delay="0">
+                                      <p:tgtEl>
+                                        <p:sldTgt/>
+                                      </p:tgtEl>
+                                    </p:cond>
+                                  </p:endCondLst>
+                                  <p:childTnLst>
+                                    <p:animRot by="21600000">
+                                      <p:cBhvr>
+                                        <p:cTn id="10" dur="2000" fill="hold"/>
+                                        <p:tgtEl>
+                                          <p:spTgt spid="7"/>
+                                        </p:tgtEl>
+                                        <p:attrNameLst>
+                                          <p:attrName>r</p:attrName>
+                                        </p:attrNameLst>
+                                      </p:cBhvr>
+                                    </p:animRot>
+                                  </p:childTnLst>
+                                </p:cTn>
+                              </p:par>
+                              <p:par>
+                                <p:cTn id="11" presetID="8" presetClass="emph" presetSubtype="0" repeatCount="indefinite" fill="hold" nodeType="withEffect">
+                                  <p:stCondLst>
+                                    <p:cond delay="0"/>
+                                  </p:stCondLst>
+                                  <p:endCondLst>
+                                    <p:cond evt="onNext" delay="0">
+                                      <p:tgtEl>
+                                        <p:sldTgt/>
+                                      </p:tgtEl>
+                                    </p:cond>
+                                  </p:endCondLst>
+                                  <p:childTnLst>
+                                    <p:animRot by="21600000">
+                                      <p:cBhvr>
+                                        <p:cTn id="12" dur="2000" fill="hold"/>
+                                        <p:tgtEl>
+                                          <p:spTgt spid="8"/>
+                                        </p:tgtEl>
+                                        <p:attrNameLst>
+                                          <p:attrName>r</p:attrName>
+                                        </p:attrNameLst>
+                                      </p:cBhvr>
+                                    </p:animRot>
+                                  </p:childTnLst>
+                                </p:cTn>
+                              </p:par>
+                              <p:par>
+                                <p:cTn id="13" presetID="8" presetClass="emph" presetSubtype="0" repeatCount="indefinite" fill="hold" nodeType="withEffect">
+                                  <p:stCondLst>
+                                    <p:cond delay="0"/>
+                                  </p:stCondLst>
+                                  <p:endCondLst>
+                                    <p:cond evt="onNext" delay="0">
+                                      <p:tgtEl>
+                                        <p:sldTgt/>
+                                      </p:tgtEl>
+                                    </p:cond>
+                                  </p:endCondLst>
+                                  <p:childTnLst>
+                                    <p:animRot by="21600000">
+                                      <p:cBhvr>
+                                        <p:cTn id="14" dur="2000" fill="hold"/>
+                                        <p:tgtEl>
+                                          <p:spTgt spid="9"/>
+                                        </p:tgtEl>
+                                        <p:attrNameLst>
+                                          <p:attrName>r</p:attrName>
+                                        </p:attrNameLst>
+                                      </p:cBhvr>
+                                    </p:animRot>
+                                  </p:childTnLst>
+                                </p:cTn>
+                              </p:par>
+                              <p:par>
+                                <p:cTn id="15" presetID="8" presetClass="emph" presetSubtype="0" repeatCount="indefinite" fill="hold" nodeType="withEffect">
+                                  <p:stCondLst>
+                                    <p:cond delay="0"/>
+                                  </p:stCondLst>
+                                  <p:endCondLst>
+                                    <p:cond evt="onNext" delay="0">
+                                      <p:tgtEl>
+                                        <p:sldTgt/>
+                                      </p:tgtEl>
+                                    </p:cond>
+                                  </p:endCondLst>
+                                  <p:childTnLst>
+                                    <p:animRot by="21600000">
+                                      <p:cBhvr>
+                                        <p:cTn id="16" dur="2000" fill="hold"/>
+                                        <p:tgtEl>
+                                          <p:spTgt spid="10"/>
+                                        </p:tgtEl>
+                                        <p:attrNameLst>
+                                          <p:attrName>r</p:attrName>
+                                        </p:attrNameLst>
+                                      </p:cBhvr>
+                                    </p:animRot>
+                                  </p:childTnLst>
+                                </p:cTn>
+                              </p:par>
+                              <p:par>
+                                <p:cTn id="17" presetID="8" presetClass="emph" presetSubtype="0" repeatCount="indefinite" fill="hold" nodeType="withEffect">
+                                  <p:stCondLst>
+                                    <p:cond delay="0"/>
+                                  </p:stCondLst>
+                                  <p:endCondLst>
+                                    <p:cond evt="onNext" delay="0">
+                                      <p:tgtEl>
+                                        <p:sldTgt/>
+                                      </p:tgtEl>
+                                    </p:cond>
+                                  </p:endCondLst>
+                                  <p:childTnLst>
+                                    <p:animRot by="21600000">
+                                      <p:cBhvr>
+                                        <p:cTn id="18" dur="2000" fill="hold"/>
+                                        <p:tgtEl>
+                                          <p:spTgt spid="11"/>
+                                        </p:tgtEl>
+                                        <p:attrNameLst>
+                                          <p:attrName>r</p:attrName>
+                                        </p:attrNameLst>
+                                      </p:cBhvr>
+                                    </p:animRot>
+                                  </p:childTnLst>
+                                </p:cTn>
+                              </p:par>
+                              <p:par>
+                                <p:cTn id="19" presetID="8" presetClass="emph" presetSubtype="0" repeatCount="indefinite" fill="hold" nodeType="withEffect">
+                                  <p:stCondLst>
+                                    <p:cond delay="0"/>
+                                  </p:stCondLst>
+                                  <p:endCondLst>
+                                    <p:cond evt="onNext" delay="0">
+                                      <p:tgtEl>
+                                        <p:sldTgt/>
+                                      </p:tgtEl>
+                                    </p:cond>
+                                  </p:endCondLst>
+                                  <p:childTnLst>
+                                    <p:animRot by="21600000">
+                                      <p:cBhvr>
+                                        <p:cTn id="20" dur="2000" fill="hold"/>
+                                        <p:tgtEl>
+                                          <p:spTgt spid="12"/>
+                                        </p:tgtEl>
+                                        <p:attrNameLst>
+                                          <p:attrName>r</p:attrName>
+                                        </p:attrNameLst>
+                                      </p:cBhvr>
+                                    </p:animRot>
+                                  </p:childTnLst>
+                                </p:cTn>
+                              </p:par>
+                              <p:par>
+                                <p:cTn id="21" presetID="8" presetClass="emph" presetSubtype="0" repeatCount="indefinite" fill="hold" nodeType="withEffect">
+                                  <p:stCondLst>
+                                    <p:cond delay="0"/>
+                                  </p:stCondLst>
+                                  <p:endCondLst>
+                                    <p:cond evt="onNext" delay="0">
+                                      <p:tgtEl>
+                                        <p:sldTgt/>
+                                      </p:tgtEl>
+                                    </p:cond>
+                                  </p:endCondLst>
+                                  <p:childTnLst>
+                                    <p:animRot by="21600000">
+                                      <p:cBhvr>
+                                        <p:cTn id="22" dur="2000" fill="hold"/>
+                                        <p:tgtEl>
+                                          <p:spTgt spid="21"/>
+                                        </p:tgtEl>
+                                        <p:attrNameLst>
+                                          <p:attrName>r</p:attrName>
+                                        </p:attrNameLst>
+                                      </p:cBhvr>
+                                    </p:animRot>
+                                  </p:childTnLst>
+                                </p:cTn>
+                              </p:par>
+                              <p:par>
+                                <p:cTn id="23" presetID="8" presetClass="emph" presetSubtype="0" repeatCount="indefinite" fill="hold" nodeType="withEffect">
+                                  <p:stCondLst>
+                                    <p:cond delay="0"/>
+                                  </p:stCondLst>
+                                  <p:endCondLst>
+                                    <p:cond evt="onNext" delay="0">
+                                      <p:tgtEl>
+                                        <p:sldTgt/>
+                                      </p:tgtEl>
+                                    </p:cond>
+                                  </p:endCondLst>
+                                  <p:childTnLst>
+                                    <p:animRot by="21600000">
+                                      <p:cBhvr>
+                                        <p:cTn id="24" dur="2000" fill="hold"/>
+                                        <p:tgtEl>
+                                          <p:spTgt spid="22"/>
+                                        </p:tgtEl>
+                                        <p:attrNameLst>
+                                          <p:attrName>r</p:attrName>
+                                        </p:attrNameLst>
+                                      </p:cBhvr>
+                                    </p:animRot>
+                                  </p:childTnLst>
+                                </p:cTn>
+                              </p:par>
+                              <p:par>
+                                <p:cTn id="25" presetID="8" presetClass="emph" presetSubtype="0" repeatCount="indefinite" fill="hold" nodeType="withEffect">
+                                  <p:stCondLst>
+                                    <p:cond delay="0"/>
+                                  </p:stCondLst>
+                                  <p:endCondLst>
+                                    <p:cond evt="onNext" delay="0">
+                                      <p:tgtEl>
+                                        <p:sldTgt/>
+                                      </p:tgtEl>
+                                    </p:cond>
+                                  </p:endCondLst>
+                                  <p:childTnLst>
+                                    <p:animRot by="21600000">
+                                      <p:cBhvr>
+                                        <p:cTn id="26" dur="2000" fill="hold"/>
+                                        <p:tgtEl>
+                                          <p:spTgt spid="23"/>
+                                        </p:tgtEl>
+                                        <p:attrNameLst>
+                                          <p:attrName>r</p:attrName>
+                                        </p:attrNameLst>
+                                      </p:cBhvr>
+                                    </p:animRot>
+                                  </p:childTnLst>
+                                </p:cTn>
+                              </p:par>
+                              <p:par>
+                                <p:cTn id="27" presetID="8" presetClass="emph" presetSubtype="0" repeatCount="indefinite" fill="hold" nodeType="withEffect">
+                                  <p:stCondLst>
+                                    <p:cond delay="0"/>
+                                  </p:stCondLst>
+                                  <p:endCondLst>
+                                    <p:cond evt="onNext" delay="0">
+                                      <p:tgtEl>
+                                        <p:sldTgt/>
+                                      </p:tgtEl>
+                                    </p:cond>
+                                  </p:endCondLst>
+                                  <p:childTnLst>
+                                    <p:animRot by="21600000">
+                                      <p:cBhvr>
+                                        <p:cTn id="28" dur="2000" fill="hold"/>
+                                        <p:tgtEl>
+                                          <p:spTgt spid="24"/>
+                                        </p:tgtEl>
+                                        <p:attrNameLst>
+                                          <p:attrName>r</p:attrName>
+                                        </p:attrNameLst>
+                                      </p:cBhvr>
+                                    </p:animRot>
+                                  </p:childTnLst>
+                                </p:cTn>
+                              </p:par>
+                              <p:par>
+                                <p:cTn id="29" presetID="8" presetClass="emph" presetSubtype="0" repeatCount="indefinite" fill="hold" nodeType="withEffect">
+                                  <p:stCondLst>
+                                    <p:cond delay="0"/>
+                                  </p:stCondLst>
+                                  <p:endCondLst>
+                                    <p:cond evt="onNext" delay="0">
+                                      <p:tgtEl>
+                                        <p:sldTgt/>
+                                      </p:tgtEl>
+                                    </p:cond>
+                                  </p:endCondLst>
+                                  <p:childTnLst>
+                                    <p:animRot by="21600000">
+                                      <p:cBhvr>
+                                        <p:cTn id="30" dur="2000" fill="hold"/>
+                                        <p:tgtEl>
+                                          <p:spTgt spid="25"/>
+                                        </p:tgtEl>
+                                        <p:attrNameLst>
+                                          <p:attrName>r</p:attrName>
+                                        </p:attrNameLst>
+                                      </p:cBhvr>
+                                    </p:animRot>
+                                  </p:childTnLst>
+                                </p:cTn>
+                              </p:par>
+                              <p:par>
+                                <p:cTn id="31" presetID="8" presetClass="emph" presetSubtype="0" repeatCount="indefinite" fill="hold" nodeType="withEffect">
+                                  <p:stCondLst>
+                                    <p:cond delay="0"/>
+                                  </p:stCondLst>
+                                  <p:endCondLst>
+                                    <p:cond evt="onNext" delay="0">
+                                      <p:tgtEl>
+                                        <p:sldTgt/>
+                                      </p:tgtEl>
+                                    </p:cond>
+                                  </p:endCondLst>
+                                  <p:childTnLst>
+                                    <p:animRot by="21600000">
+                                      <p:cBhvr>
+                                        <p:cTn id="32" dur="2000" fill="hold"/>
+                                        <p:tgtEl>
+                                          <p:spTgt spid="26"/>
+                                        </p:tgtEl>
+                                        <p:attrNameLst>
+                                          <p:attrName>r</p:attrName>
+                                        </p:attrNameLst>
+                                      </p:cBhvr>
+                                    </p:animRot>
+                                  </p:childTnLst>
+                                </p:cTn>
+                              </p:par>
+                              <p:par>
+                                <p:cTn id="33" presetID="8" presetClass="emph" presetSubtype="0" repeatCount="indefinite" fill="hold" nodeType="withEffect">
+                                  <p:stCondLst>
+                                    <p:cond delay="0"/>
+                                  </p:stCondLst>
+                                  <p:endCondLst>
+                                    <p:cond evt="onNext" delay="0">
+                                      <p:tgtEl>
+                                        <p:sldTgt/>
+                                      </p:tgtEl>
+                                    </p:cond>
+                                  </p:endCondLst>
+                                  <p:childTnLst>
+                                    <p:animRot by="21600000">
+                                      <p:cBhvr>
+                                        <p:cTn id="34" dur="2000" fill="hold"/>
+                                        <p:tgtEl>
+                                          <p:spTgt spid="27"/>
+                                        </p:tgtEl>
+                                        <p:attrNameLst>
+                                          <p:attrName>r</p:attrName>
+                                        </p:attrNameLst>
+                                      </p:cBhvr>
+                                    </p:animRot>
+                                  </p:childTnLst>
+                                </p:cTn>
+                              </p:par>
+                              <p:par>
+                                <p:cTn id="35" presetID="8" presetClass="emph" presetSubtype="0" repeatCount="indefinite" fill="hold" nodeType="withEffect">
+                                  <p:stCondLst>
+                                    <p:cond delay="0"/>
+                                  </p:stCondLst>
+                                  <p:endCondLst>
+                                    <p:cond evt="onNext" delay="0">
+                                      <p:tgtEl>
+                                        <p:sldTgt/>
+                                      </p:tgtEl>
+                                    </p:cond>
+                                  </p:endCondLst>
+                                  <p:childTnLst>
+                                    <p:animRot by="21600000">
+                                      <p:cBhvr>
+                                        <p:cTn id="36" dur="2000" fill="hold"/>
+                                        <p:tgtEl>
+                                          <p:spTgt spid="28"/>
+                                        </p:tgtEl>
+                                        <p:attrNameLst>
+                                          <p:attrName>r</p:attrName>
+                                        </p:attrNameLst>
+                                      </p:cBhvr>
+                                    </p:animRot>
+                                  </p:childTnLst>
+                                </p:cTn>
+                              </p:par>
+                            </p:childTnLst>
+                          </p:cTn>
+                        </p:par>
+                      </p:childTnLst>
+                    </p:cTn>
+                  </p:par>
+                </p:childTnLst>
+              </p:cTn>
+              <p:prevCondLst>
+                <p:cond evt="onPrev" delay="0">
+                  <p:tgtEl>
+                    <p:sldTgt/>
+                  </p:tgtEl>
+                </p:cond>
+              </p:prevCondLst>
+              <p:nextCondLst>
+                <p:cond evt="onNext" delay="0">
+                  <p:tgtEl>
+                    <p:sldTgt/>
+                  </p:tgtEl>
+                </p:cond>
+              </p:nextCondLst>
+            </p:seq>
+          </p:childTnLst>
+        </p:cTn>
+      </p:par>
+    </p:tnLst>
+  </p:timing>
+</p:sld>
+</file>
+
+<file path=ppt/slides/slide8.xml><?xml version="1.0" encoding="utf-8"?>
+<p:sld xmlns:a="http://schemas.openxmlformats.org/drawingml/2006/main" xmlns:r="http://schemas.openxmlformats.org/officeDocument/2006/relationships" xmlns:p="http://schemas.openxmlformats.org/presentationml/2006/main">
+  <p:cSld>
+    <p:bg>
+      <p:bgPr>
+        <a:solidFill>
+          <a:schemeClr val="tx1"/>
+        </a:solidFill>
+        <a:effectLst/>
+      </p:bgPr>
+    </p:bg>
+    <p:spTree>
+      <p:nvGrpSpPr>
+        <p:cNvPr id="1" name=""/>
+        <p:cNvGrpSpPr/>
+        <p:nvPr/>
+      </p:nvGrpSpPr>
+      <p:grpSpPr>
+        <a:xfrm>
+          <a:off x="0" y="0"/>
+          <a:ext cx="0" cy="0"/>
+          <a:chOff x="0" y="0"/>
+          <a:chExt cx="0" cy="0"/>
+        </a:xfrm>
+      </p:grpSpPr>
+      <p:pic>
+        <p:nvPicPr>
+          <p:cNvPr id="5" name="Picture 4"/>
+          <p:cNvPicPr>
+            <a:picLocks noChangeAspect="1"/>
+          </p:cNvPicPr>
+          <p:nvPr/>
+        </p:nvPicPr>
+        <p:blipFill>
+          <a:blip r:embed="rId2" cstate="print">
+            <a:extLst>
+              <a:ext uri="{28A0092B-C50C-407E-A947-70E740481C1C}">
+                <a14:useLocalDpi xmlns:a14="http://schemas.microsoft.com/office/drawing/2010/main" val="0"/>
+              </a:ext>
+            </a:extLst>
+          </a:blip>
+          <a:stretch>
+            <a:fillRect/>
+          </a:stretch>
+        </p:blipFill>
+        <p:spPr>
+          <a:xfrm>
+            <a:off x="3273268" y="523690"/>
+            <a:ext cx="2537392" cy="2583331"/>
+          </a:xfrm>
+          <a:prstGeom prst="rect">
+            <a:avLst/>
+          </a:prstGeom>
+        </p:spPr>
+      </p:pic>
+      <p:pic>
+        <p:nvPicPr>
+          <p:cNvPr id="6" name="Picture 5"/>
+          <p:cNvPicPr>
+            <a:picLocks noChangeAspect="1"/>
+          </p:cNvPicPr>
+          <p:nvPr/>
+        </p:nvPicPr>
+        <p:blipFill>
+          <a:blip r:embed="rId2" cstate="print">
+            <a:extLst>
+              <a:ext uri="{28A0092B-C50C-407E-A947-70E740481C1C}">
+                <a14:useLocalDpi xmlns:a14="http://schemas.microsoft.com/office/drawing/2010/main" val="0"/>
+              </a:ext>
+            </a:extLst>
+          </a:blip>
+          <a:stretch>
+            <a:fillRect/>
+          </a:stretch>
+        </p:blipFill>
+        <p:spPr>
+          <a:xfrm>
+            <a:off x="6418717" y="523690"/>
+            <a:ext cx="2537392" cy="2583331"/>
+          </a:xfrm>
+          <a:prstGeom prst="rect">
+            <a:avLst/>
+          </a:prstGeom>
+        </p:spPr>
+      </p:pic>
+      <p:pic>
+        <p:nvPicPr>
+          <p:cNvPr id="7" name="Picture 6"/>
+          <p:cNvPicPr>
+            <a:picLocks noChangeAspect="1"/>
+          </p:cNvPicPr>
+          <p:nvPr/>
+        </p:nvPicPr>
+        <p:blipFill>
+          <a:blip r:embed="rId2" cstate="print">
+            <a:extLst>
+              <a:ext uri="{28A0092B-C50C-407E-A947-70E740481C1C}">
+                <a14:useLocalDpi xmlns:a14="http://schemas.microsoft.com/office/drawing/2010/main" val="0"/>
+              </a:ext>
+            </a:extLst>
+          </a:blip>
+          <a:stretch>
+            <a:fillRect/>
+          </a:stretch>
+        </p:blipFill>
+        <p:spPr>
+          <a:xfrm>
+            <a:off x="3273268" y="3642105"/>
+            <a:ext cx="2537392" cy="2583331"/>
+          </a:xfrm>
+          <a:prstGeom prst="rect">
+            <a:avLst/>
+          </a:prstGeom>
+        </p:spPr>
+      </p:pic>
+      <p:pic>
+        <p:nvPicPr>
+          <p:cNvPr id="8" name="Picture 7"/>
+          <p:cNvPicPr>
+            <a:picLocks noChangeAspect="1"/>
+          </p:cNvPicPr>
+          <p:nvPr/>
+        </p:nvPicPr>
+        <p:blipFill>
+          <a:blip r:embed="rId2" cstate="print">
+            <a:extLst>
+              <a:ext uri="{28A0092B-C50C-407E-A947-70E740481C1C}">
+                <a14:useLocalDpi xmlns:a14="http://schemas.microsoft.com/office/drawing/2010/main" val="0"/>
+              </a:ext>
+            </a:extLst>
+          </a:blip>
+          <a:stretch>
+            <a:fillRect/>
+          </a:stretch>
+        </p:blipFill>
+        <p:spPr>
+          <a:xfrm>
+            <a:off x="6418717" y="3642105"/>
+            <a:ext cx="2537392" cy="2583331"/>
+          </a:xfrm>
+          <a:prstGeom prst="rect">
+            <a:avLst/>
+          </a:prstGeom>
+        </p:spPr>
+      </p:pic>
+    </p:spTree>
+    <p:extLst>
+      <p:ext uri="{BB962C8B-B14F-4D97-AF65-F5344CB8AC3E}">
+        <p14:creationId xmlns:p14="http://schemas.microsoft.com/office/powerpoint/2010/main" val="216130444"/>
+      </p:ext>
+    </p:extLst>
+  </p:cSld>
+  <p:clrMapOvr>
+    <a:masterClrMapping/>
+  </p:clrMapOvr>
+  <p:timing>
+    <p:tnLst>
+      <p:par>
+        <p:cTn id="1" dur="indefinite" restart="never" nodeType="tmRoot">
+          <p:childTnLst>
+            <p:seq concurrent="1" nextAc="seek">
+              <p:cTn id="2" dur="indefinite" nodeType="mainSeq">
+                <p:childTnLst>
+                  <p:par>
+                    <p:cTn id="3" fill="hold">
+                      <p:stCondLst>
+                        <p:cond delay="indefinite"/>
+                      </p:stCondLst>
+                      <p:childTnLst>
+                        <p:par>
+                          <p:cTn id="4" fill="hold">
+                            <p:stCondLst>
+                              <p:cond delay="0"/>
+                            </p:stCondLst>
+                            <p:childTnLst>
+                              <p:par>
+                                <p:cTn id="5" presetID="8" presetClass="emph" presetSubtype="0" repeatCount="indefinite" fill="hold" nodeType="clickEffect">
+                                  <p:stCondLst>
+                                    <p:cond delay="0"/>
+                                  </p:stCondLst>
+                                  <p:childTnLst>
+                                    <p:animRot by="21600000">
+                                      <p:cBhvr>
+                                        <p:cTn id="6" dur="20000" fill="hold"/>
+                                        <p:tgtEl>
+                                          <p:spTgt spid="5"/>
+                                        </p:tgtEl>
+                                        <p:attrNameLst>
+                                          <p:attrName>r</p:attrName>
+                                        </p:attrNameLst>
+                                      </p:cBhvr>
+                                    </p:animRot>
+                                  </p:childTnLst>
+                                </p:cTn>
+                              </p:par>
+                              <p:par>
+                                <p:cTn id="7" presetID="8" presetClass="emph" presetSubtype="0" repeatCount="indefinite" fill="hold" nodeType="withEffect">
+                                  <p:stCondLst>
+                                    <p:cond delay="0"/>
+                                  </p:stCondLst>
+                                  <p:childTnLst>
+                                    <p:animRot by="21600000">
+                                      <p:cBhvr>
+                                        <p:cTn id="8" dur="20000" fill="hold"/>
+                                        <p:tgtEl>
+                                          <p:spTgt spid="6"/>
+                                        </p:tgtEl>
+                                        <p:attrNameLst>
+                                          <p:attrName>r</p:attrName>
+                                        </p:attrNameLst>
+                                      </p:cBhvr>
+                                    </p:animRot>
+                                  </p:childTnLst>
+                                </p:cTn>
+                              </p:par>
+                              <p:par>
+                                <p:cTn id="9" presetID="8" presetClass="emph" presetSubtype="0" repeatCount="indefinite" fill="hold" nodeType="withEffect">
+                                  <p:stCondLst>
+                                    <p:cond delay="0"/>
+                                  </p:stCondLst>
+                                  <p:childTnLst>
+                                    <p:animRot by="21600000">
+                                      <p:cBhvr>
+                                        <p:cTn id="10" dur="20000" fill="hold"/>
+                                        <p:tgtEl>
+                                          <p:spTgt spid="7"/>
+                                        </p:tgtEl>
+                                        <p:attrNameLst>
+                                          <p:attrName>r</p:attrName>
+                                        </p:attrNameLst>
+                                      </p:cBhvr>
+                                    </p:animRot>
+                                  </p:childTnLst>
+                                </p:cTn>
+                              </p:par>
+                              <p:par>
+                                <p:cTn id="11" presetID="8" presetClass="emph" presetSubtype="0" repeatCount="indefinite" fill="hold" nodeType="withEffect">
+                                  <p:stCondLst>
+                                    <p:cond delay="0"/>
+                                  </p:stCondLst>
+                                  <p:childTnLst>
+                                    <p:animRot by="21600000">
+                                      <p:cBhvr>
+                                        <p:cTn id="12" dur="20000" fill="hold"/>
+                                        <p:tgtEl>
+                                          <p:spTgt spid="8"/>
+                                        </p:tgtEl>
+                                        <p:attrNameLst>
+                                          <p:attrName>r</p:attrName>
+                                        </p:attrNameLst>
+                                      </p:cBhvr>
+                                    </p:animRot>
+                                  </p:childTnLst>
+                                </p:cTn>
+                              </p:par>
+                            </p:childTnLst>
+                          </p:cTn>
+                        </p:par>
+                      </p:childTnLst>
+                    </p:cTn>
+                  </p:par>
+                </p:childTnLst>
+              </p:cTn>
+              <p:prevCondLst>
+                <p:cond evt="onPrev" delay="0">
+                  <p:tgtEl>
+                    <p:sldTgt/>
+                  </p:tgtEl>
+                </p:cond>
+              </p:prevCondLst>
+              <p:nextCondLst>
+                <p:cond evt="onNext" delay="0">
+                  <p:tgtEl>
+                    <p:sldTgt/>
+                  </p:tgtEl>
+                </p:cond>
+              </p:nextCondLst>
+            </p:seq>
+          </p:childTnLst>
+        </p:cTn>
+      </p:par>
+    </p:tnLst>
+  </p:timing>
+</p:sld>
+</file>
+
+<file path=ppt/slides/slide9.xml><?xml version="1.0" encoding="utf-8"?>
+<p:sld xmlns:a="http://schemas.openxmlformats.org/drawingml/2006/main" xmlns:r="http://schemas.openxmlformats.org/officeDocument/2006/relationships" xmlns:p="http://schemas.openxmlformats.org/presentationml/2006/main">
+  <p:cSld>
+    <p:bg>
+      <p:bgPr>
+        <a:solidFill>
+          <a:schemeClr val="tx1"/>
+        </a:solidFill>
+        <a:effectLst/>
+      </p:bgPr>
+    </p:bg>
+    <p:spTree>
+      <p:nvGrpSpPr>
+        <p:cNvPr id="1" name=""/>
+        <p:cNvGrpSpPr/>
+        <p:nvPr/>
+      </p:nvGrpSpPr>
+      <p:grpSpPr>
+        <a:xfrm>
+          <a:off x="0" y="0"/>
+          <a:ext cx="0" cy="0"/>
+          <a:chOff x="0" y="0"/>
+          <a:chExt cx="0" cy="0"/>
+        </a:xfrm>
+      </p:grpSpPr>
+      <p:pic>
+        <p:nvPicPr>
+          <p:cNvPr id="5" name="Picture 4"/>
+          <p:cNvPicPr>
+            <a:picLocks noChangeAspect="1"/>
+          </p:cNvPicPr>
+          <p:nvPr/>
+        </p:nvPicPr>
+        <p:blipFill>
+          <a:blip r:embed="rId2" cstate="print">
+            <a:extLst>
+              <a:ext uri="{28A0092B-C50C-407E-A947-70E740481C1C}">
+                <a14:useLocalDpi xmlns:a14="http://schemas.microsoft.com/office/drawing/2010/main" val="0"/>
+              </a:ext>
+            </a:extLst>
+          </a:blip>
+          <a:stretch>
+            <a:fillRect/>
+          </a:stretch>
+        </p:blipFill>
+        <p:spPr>
+          <a:xfrm>
+            <a:off x="3273268" y="523690"/>
+            <a:ext cx="2537392" cy="2583331"/>
+          </a:xfrm>
+          <a:prstGeom prst="rect">
+            <a:avLst/>
+          </a:prstGeom>
+        </p:spPr>
+      </p:pic>
+      <p:pic>
+        <p:nvPicPr>
+          <p:cNvPr id="6" name="Picture 5"/>
+          <p:cNvPicPr>
+            <a:picLocks noChangeAspect="1"/>
+          </p:cNvPicPr>
+          <p:nvPr/>
+        </p:nvPicPr>
+        <p:blipFill>
+          <a:blip r:embed="rId2" cstate="print">
+            <a:extLst>
+              <a:ext uri="{28A0092B-C50C-407E-A947-70E740481C1C}">
+                <a14:useLocalDpi xmlns:a14="http://schemas.microsoft.com/office/drawing/2010/main" val="0"/>
+              </a:ext>
+            </a:extLst>
+          </a:blip>
+          <a:stretch>
+            <a:fillRect/>
+          </a:stretch>
+        </p:blipFill>
+        <p:spPr>
+          <a:xfrm>
+            <a:off x="6418717" y="523690"/>
+            <a:ext cx="2537392" cy="2583331"/>
+          </a:xfrm>
+          <a:prstGeom prst="rect">
+            <a:avLst/>
+          </a:prstGeom>
+        </p:spPr>
+      </p:pic>
+      <p:pic>
+        <p:nvPicPr>
+          <p:cNvPr id="7" name="Picture 6"/>
+          <p:cNvPicPr>
+            <a:picLocks noChangeAspect="1"/>
+          </p:cNvPicPr>
+          <p:nvPr/>
+        </p:nvPicPr>
+        <p:blipFill>
+          <a:blip r:embed="rId2" cstate="print">
+            <a:extLst>
+              <a:ext uri="{28A0092B-C50C-407E-A947-70E740481C1C}">
+                <a14:useLocalDpi xmlns:a14="http://schemas.microsoft.com/office/drawing/2010/main" val="0"/>
+              </a:ext>
+            </a:extLst>
+          </a:blip>
+          <a:stretch>
+            <a:fillRect/>
+          </a:stretch>
+        </p:blipFill>
+        <p:spPr>
+          <a:xfrm>
+            <a:off x="3273268" y="3642105"/>
+            <a:ext cx="2537392" cy="2583331"/>
+          </a:xfrm>
+          <a:prstGeom prst="rect">
+            <a:avLst/>
+          </a:prstGeom>
+        </p:spPr>
+      </p:pic>
+      <p:pic>
+        <p:nvPicPr>
+          <p:cNvPr id="8" name="Picture 7"/>
+          <p:cNvPicPr>
+            <a:picLocks noChangeAspect="1"/>
+          </p:cNvPicPr>
+          <p:nvPr/>
+        </p:nvPicPr>
+        <p:blipFill>
+          <a:blip r:embed="rId2" cstate="print">
+            <a:extLst>
+              <a:ext uri="{28A0092B-C50C-407E-A947-70E740481C1C}">
+                <a14:useLocalDpi xmlns:a14="http://schemas.microsoft.com/office/drawing/2010/main" val="0"/>
+              </a:ext>
+            </a:extLst>
+          </a:blip>
+          <a:stretch>
+            <a:fillRect/>
+          </a:stretch>
+        </p:blipFill>
+        <p:spPr>
+          <a:xfrm>
+            <a:off x="6418717" y="3642105"/>
+            <a:ext cx="2537392" cy="2583331"/>
+          </a:xfrm>
+          <a:prstGeom prst="rect">
+            <a:avLst/>
+          </a:prstGeom>
+        </p:spPr>
+      </p:pic>
+    </p:spTree>
+    <p:extLst>
+      <p:ext uri="{BB962C8B-B14F-4D97-AF65-F5344CB8AC3E}">
+        <p14:creationId xmlns:p14="http://schemas.microsoft.com/office/powerpoint/2010/main" val="3409577158"/>
+      </p:ext>
+    </p:extLst>
+  </p:cSld>
+  <p:clrMapOvr>
+    <a:masterClrMapping/>
+  </p:clrMapOvr>
+  <p:timing>
+    <p:tnLst>
+      <p:par>
+        <p:cTn id="1" dur="indefinite" restart="never" nodeType="tmRoot">
+          <p:childTnLst>
+            <p:seq concurrent="1" nextAc="seek">
+              <p:cTn id="2" dur="indefinite" nodeType="mainSeq">
+                <p:childTnLst>
+                  <p:par>
+                    <p:cTn id="3" fill="hold">
+                      <p:stCondLst>
+                        <p:cond delay="indefinite"/>
+                      </p:stCondLst>
+                      <p:childTnLst>
+                        <p:par>
+                          <p:cTn id="4" fill="hold">
+                            <p:stCondLst>
+                              <p:cond delay="0"/>
+                            </p:stCondLst>
+                            <p:childTnLst>
+                              <p:par>
+                                <p:cTn id="5" presetID="8" presetClass="emph" presetSubtype="0" repeatCount="indefinite" fill="hold" nodeType="clickEffect">
+                                  <p:stCondLst>
+                                    <p:cond delay="0"/>
+                                  </p:stCondLst>
+                                  <p:childTnLst>
+                                    <p:animRot by="21600000">
+                                      <p:cBhvr>
+                                        <p:cTn id="6" dur="5000" fill="hold"/>
+                                        <p:tgtEl>
+                                          <p:spTgt spid="5"/>
+                                        </p:tgtEl>
+                                        <p:attrNameLst>
+                                          <p:attrName>r</p:attrName>
+                                        </p:attrNameLst>
+                                      </p:cBhvr>
+                                    </p:animRot>
+                                  </p:childTnLst>
+                                </p:cTn>
+                              </p:par>
+                              <p:par>
+                                <p:cTn id="7" presetID="8" presetClass="emph" presetSubtype="0" repeatCount="indefinite" fill="hold" nodeType="withEffect">
+                                  <p:stCondLst>
+                                    <p:cond delay="0"/>
+                                  </p:stCondLst>
+                                  <p:childTnLst>
+                                    <p:animRot by="21600000">
+                                      <p:cBhvr>
+                                        <p:cTn id="8" dur="5000" fill="hold"/>
+                                        <p:tgtEl>
+                                          <p:spTgt spid="6"/>
+                                        </p:tgtEl>
+                                        <p:attrNameLst>
+                                          <p:attrName>r</p:attrName>
+                                        </p:attrNameLst>
+                                      </p:cBhvr>
+                                    </p:animRot>
+                                  </p:childTnLst>
+                                </p:cTn>
+                              </p:par>
+                              <p:par>
+                                <p:cTn id="9" presetID="8" presetClass="emph" presetSubtype="0" repeatCount="indefinite" fill="hold" nodeType="withEffect">
+                                  <p:stCondLst>
+                                    <p:cond delay="0"/>
+                                  </p:stCondLst>
+                                  <p:childTnLst>
+                                    <p:animRot by="21600000">
+                                      <p:cBhvr>
+                                        <p:cTn id="10" dur="5000" fill="hold"/>
+                                        <p:tgtEl>
+                                          <p:spTgt spid="7"/>
+                                        </p:tgtEl>
+                                        <p:attrNameLst>
+                                          <p:attrName>r</p:attrName>
+                                        </p:attrNameLst>
+                                      </p:cBhvr>
+                                    </p:animRot>
+                                  </p:childTnLst>
+                                </p:cTn>
+                              </p:par>
+                              <p:par>
+                                <p:cTn id="11" presetID="8" presetClass="emph" presetSubtype="0" repeatCount="indefinite" fill="hold" nodeType="withEffect">
+                                  <p:stCondLst>
+                                    <p:cond delay="0"/>
+                                  </p:stCondLst>
+                                  <p:childTnLst>
+                                    <p:animRot by="21600000">
+                                      <p:cBhvr>
+                                        <p:cTn id="12" dur="5000" fill="hold"/>
+                                        <p:tgtEl>
+                                          <p:spTgt spid="8"/>
+                                        </p:tgtEl>
+                                        <p:attrNameLst>
+                                          <p:attrName>r</p:attrName>
+                                        </p:attrNameLst>
+                                      </p:cBhvr>
+                                    </p:animRot>
+                                  </p:childTnLst>
+                                </p:cTn>
+                              </p:par>
+                            </p:childTnLst>
+                          </p:cTn>
+                        </p:par>
+                      </p:childTnLst>
+                    </p:cTn>
+                  </p:par>
+                </p:childTnLst>
+              </p:cTn>
+              <p:prevCondLst>
+                <p:cond evt="onPrev" delay="0">
+                  <p:tgtEl>
+                    <p:sldTgt/>
+                  </p:tgtEl>
+                </p:cond>
+              </p:prevCondLst>
+              <p:nextCondLst>
+                <p:cond evt="onNext" delay="0">
+                  <p:tgtEl>
+                    <p:sldTgt/>
+                  </p:tgtEl>
+                </p:cond>
+              </p:nextCondLst>
+            </p:seq>
+          </p:childTnLst>
+        </p:cTn>
+      </p:par>
+    </p:tnLst>
+  </p:timing>
+</p:sld>
+</file>
+
 <file path=ppt/theme/theme1.xml><?xml version="1.0" encoding="utf-8"?>
 <a:theme xmlns:a="http://schemas.openxmlformats.org/drawingml/2006/main" name="Office Theme">
   <a:themeElements>
